--- a/funcaoFatica.pptx
+++ b/funcaoFatica.pptx
@@ -5,21 +5,25 @@
     <p:sldMasterId id="2147483648" r:id="rId1"/>
   </p:sldMasterIdLst>
   <p:notesMasterIdLst>
-    <p:notesMasterId r:id="rId11"/>
+    <p:notesMasterId r:id="rId15"/>
   </p:notesMasterIdLst>
   <p:handoutMasterIdLst>
-    <p:handoutMasterId r:id="rId12"/>
+    <p:handoutMasterId r:id="rId16"/>
   </p:handoutMasterIdLst>
   <p:sldIdLst>
     <p:sldId id="256" r:id="rId2"/>
     <p:sldId id="257" r:id="rId3"/>
-    <p:sldId id="258" r:id="rId4"/>
-    <p:sldId id="266" r:id="rId5"/>
-    <p:sldId id="262" r:id="rId6"/>
+    <p:sldId id="269" r:id="rId4"/>
+    <p:sldId id="258" r:id="rId5"/>
+    <p:sldId id="266" r:id="rId6"/>
     <p:sldId id="263" r:id="rId7"/>
     <p:sldId id="267" r:id="rId8"/>
-    <p:sldId id="264" r:id="rId9"/>
-    <p:sldId id="265" r:id="rId10"/>
+    <p:sldId id="268" r:id="rId9"/>
+    <p:sldId id="270" r:id="rId10"/>
+    <p:sldId id="271" r:id="rId11"/>
+    <p:sldId id="272" r:id="rId12"/>
+    <p:sldId id="273" r:id="rId13"/>
+    <p:sldId id="274" r:id="rId14"/>
   </p:sldIdLst>
   <p:sldSz cx="12192000" cy="6858000"/>
   <p:notesSz cx="6858000" cy="9144000"/>
@@ -233,7 +237,7 @@
             <a:pPr rtl="0"/>
             <a:fld id="{C5D4E3CA-F5FA-4BA1-8153-938B608CA0E1}" type="datetime1">
               <a:rPr lang="pt-PT" smtClean="0"/>
-              <a:t>23/02/2024</a:t>
+              <a:t>25/02/2024</a:t>
             </a:fld>
             <a:endParaRPr lang="pt-PT" dirty="0"/>
           </a:p>
@@ -414,7 +418,7 @@
             <a:fld id="{6C968E90-DFA2-406B-8ADF-42CEF3BB6151}" type="datetime1">
               <a:rPr lang="pt-PT" smtClean="0"/>
               <a:pPr/>
-              <a:t>23/02/2024</a:t>
+              <a:t>25/02/2024</a:t>
             </a:fld>
             <a:endParaRPr lang="pt-PT" dirty="0"/>
           </a:p>
@@ -770,6 +774,176 @@
 </p:notes>
 </file>
 
+<file path=ppt/notesSlides/notesSlide10.xml><?xml version="1.0" encoding="utf-8"?>
+<p:notes xmlns:a="http://schemas.openxmlformats.org/drawingml/2006/main" xmlns:r="http://schemas.openxmlformats.org/officeDocument/2006/relationships" xmlns:p="http://schemas.openxmlformats.org/presentationml/2006/main">
+  <p:cSld>
+    <p:spTree>
+      <p:nvGrpSpPr>
+        <p:cNvPr id="1" name=""/>
+        <p:cNvGrpSpPr/>
+        <p:nvPr/>
+      </p:nvGrpSpPr>
+      <p:grpSpPr>
+        <a:xfrm>
+          <a:off x="0" y="0"/>
+          <a:ext cx="0" cy="0"/>
+          <a:chOff x="0" y="0"/>
+          <a:chExt cx="0" cy="0"/>
+        </a:xfrm>
+      </p:grpSpPr>
+      <p:sp>
+        <p:nvSpPr>
+          <p:cNvPr id="2" name="Marcador de Posição da Imagem do Diapositivo 1"/>
+          <p:cNvSpPr>
+            <a:spLocks noGrp="1" noRot="1" noChangeAspect="1"/>
+          </p:cNvSpPr>
+          <p:nvPr>
+            <p:ph type="sldImg"/>
+          </p:nvPr>
+        </p:nvSpPr>
+        <p:spPr/>
+      </p:sp>
+      <p:sp>
+        <p:nvSpPr>
+          <p:cNvPr id="3" name="Marcador de Posição de Notas 2"/>
+          <p:cNvSpPr>
+            <a:spLocks noGrp="1"/>
+          </p:cNvSpPr>
+          <p:nvPr>
+            <p:ph type="body" idx="1"/>
+          </p:nvPr>
+        </p:nvSpPr>
+        <p:spPr/>
+        <p:txBody>
+          <a:bodyPr/>
+          <a:lstStyle/>
+          <a:p>
+            <a:endParaRPr lang="pt-PT" noProof="0" dirty="0"/>
+          </a:p>
+        </p:txBody>
+      </p:sp>
+      <p:sp>
+        <p:nvSpPr>
+          <p:cNvPr id="4" name="Marcador de Posição do Número do Diapositivo 3"/>
+          <p:cNvSpPr>
+            <a:spLocks noGrp="1"/>
+          </p:cNvSpPr>
+          <p:nvPr>
+            <p:ph type="sldNum" sz="quarter" idx="5"/>
+          </p:nvPr>
+        </p:nvSpPr>
+        <p:spPr/>
+        <p:txBody>
+          <a:bodyPr/>
+          <a:lstStyle/>
+          <a:p>
+            <a:pPr rtl="0"/>
+            <a:fld id="{BA1D7B6F-E65C-42E7-86A5-0A01C6C95227}" type="slidenum">
+              <a:rPr lang="pt-PT" smtClean="0"/>
+              <a:t>12</a:t>
+            </a:fld>
+            <a:endParaRPr lang="pt-PT"/>
+          </a:p>
+        </p:txBody>
+      </p:sp>
+    </p:spTree>
+    <p:extLst>
+      <p:ext uri="{BB962C8B-B14F-4D97-AF65-F5344CB8AC3E}">
+        <p14:creationId xmlns:p14="http://schemas.microsoft.com/office/powerpoint/2010/main" val="1192406549"/>
+      </p:ext>
+    </p:extLst>
+  </p:cSld>
+  <p:clrMapOvr>
+    <a:masterClrMapping/>
+  </p:clrMapOvr>
+</p:notes>
+</file>
+
+<file path=ppt/notesSlides/notesSlide11.xml><?xml version="1.0" encoding="utf-8"?>
+<p:notes xmlns:a="http://schemas.openxmlformats.org/drawingml/2006/main" xmlns:r="http://schemas.openxmlformats.org/officeDocument/2006/relationships" xmlns:p="http://schemas.openxmlformats.org/presentationml/2006/main">
+  <p:cSld>
+    <p:spTree>
+      <p:nvGrpSpPr>
+        <p:cNvPr id="1" name=""/>
+        <p:cNvGrpSpPr/>
+        <p:nvPr/>
+      </p:nvGrpSpPr>
+      <p:grpSpPr>
+        <a:xfrm>
+          <a:off x="0" y="0"/>
+          <a:ext cx="0" cy="0"/>
+          <a:chOff x="0" y="0"/>
+          <a:chExt cx="0" cy="0"/>
+        </a:xfrm>
+      </p:grpSpPr>
+      <p:sp>
+        <p:nvSpPr>
+          <p:cNvPr id="2" name="Marcador de Posição da Imagem do Diapositivo 1"/>
+          <p:cNvSpPr>
+            <a:spLocks noGrp="1" noRot="1" noChangeAspect="1"/>
+          </p:cNvSpPr>
+          <p:nvPr>
+            <p:ph type="sldImg"/>
+          </p:nvPr>
+        </p:nvSpPr>
+        <p:spPr/>
+      </p:sp>
+      <p:sp>
+        <p:nvSpPr>
+          <p:cNvPr id="3" name="Marcador de Posição de Notas 2"/>
+          <p:cNvSpPr>
+            <a:spLocks noGrp="1"/>
+          </p:cNvSpPr>
+          <p:nvPr>
+            <p:ph type="body" idx="1"/>
+          </p:nvPr>
+        </p:nvSpPr>
+        <p:spPr/>
+        <p:txBody>
+          <a:bodyPr/>
+          <a:lstStyle/>
+          <a:p>
+            <a:endParaRPr lang="pt-PT" noProof="0" dirty="0"/>
+          </a:p>
+        </p:txBody>
+      </p:sp>
+      <p:sp>
+        <p:nvSpPr>
+          <p:cNvPr id="4" name="Marcador de Posição do Número do Diapositivo 3"/>
+          <p:cNvSpPr>
+            <a:spLocks noGrp="1"/>
+          </p:cNvSpPr>
+          <p:nvPr>
+            <p:ph type="sldNum" sz="quarter" idx="5"/>
+          </p:nvPr>
+        </p:nvSpPr>
+        <p:spPr/>
+        <p:txBody>
+          <a:bodyPr/>
+          <a:lstStyle/>
+          <a:p>
+            <a:pPr rtl="0"/>
+            <a:fld id="{BA1D7B6F-E65C-42E7-86A5-0A01C6C95227}" type="slidenum">
+              <a:rPr lang="pt-PT" smtClean="0"/>
+              <a:t>13</a:t>
+            </a:fld>
+            <a:endParaRPr lang="pt-PT"/>
+          </a:p>
+        </p:txBody>
+      </p:sp>
+    </p:spTree>
+    <p:extLst>
+      <p:ext uri="{BB962C8B-B14F-4D97-AF65-F5344CB8AC3E}">
+        <p14:creationId xmlns:p14="http://schemas.microsoft.com/office/powerpoint/2010/main" val="3729497924"/>
+      </p:ext>
+    </p:extLst>
+  </p:cSld>
+  <p:clrMapOvr>
+    <a:masterClrMapping/>
+  </p:clrMapOvr>
+</p:notes>
+</file>
+
 <file path=ppt/notesSlides/notesSlide2.xml><?xml version="1.0" encoding="utf-8"?>
 <p:notes xmlns:a="http://schemas.openxmlformats.org/drawingml/2006/main" xmlns:r="http://schemas.openxmlformats.org/officeDocument/2006/relationships" xmlns:p="http://schemas.openxmlformats.org/presentationml/2006/main">
   <p:cSld>
@@ -921,7 +1095,7 @@
             <a:pPr rtl="0"/>
             <a:fld id="{BA1D7B6F-E65C-42E7-86A5-0A01C6C95227}" type="slidenum">
               <a:rPr lang="pt-PT" smtClean="0"/>
-              <a:t>3</a:t>
+              <a:t>4</a:t>
             </a:fld>
             <a:endParaRPr lang="pt-PT"/>
           </a:p>
@@ -1006,91 +1180,6 @@
             <a:pPr rtl="0"/>
             <a:fld id="{BA1D7B6F-E65C-42E7-86A5-0A01C6C95227}" type="slidenum">
               <a:rPr lang="pt-PT" smtClean="0"/>
-              <a:t>5</a:t>
-            </a:fld>
-            <a:endParaRPr lang="pt-PT"/>
-          </a:p>
-        </p:txBody>
-      </p:sp>
-    </p:spTree>
-    <p:extLst>
-      <p:ext uri="{BB962C8B-B14F-4D97-AF65-F5344CB8AC3E}">
-        <p14:creationId xmlns:p14="http://schemas.microsoft.com/office/powerpoint/2010/main" val="2313039478"/>
-      </p:ext>
-    </p:extLst>
-  </p:cSld>
-  <p:clrMapOvr>
-    <a:masterClrMapping/>
-  </p:clrMapOvr>
-</p:notes>
-</file>
-
-<file path=ppt/notesSlides/notesSlide5.xml><?xml version="1.0" encoding="utf-8"?>
-<p:notes xmlns:a="http://schemas.openxmlformats.org/drawingml/2006/main" xmlns:r="http://schemas.openxmlformats.org/officeDocument/2006/relationships" xmlns:p="http://schemas.openxmlformats.org/presentationml/2006/main">
-  <p:cSld>
-    <p:spTree>
-      <p:nvGrpSpPr>
-        <p:cNvPr id="1" name=""/>
-        <p:cNvGrpSpPr/>
-        <p:nvPr/>
-      </p:nvGrpSpPr>
-      <p:grpSpPr>
-        <a:xfrm>
-          <a:off x="0" y="0"/>
-          <a:ext cx="0" cy="0"/>
-          <a:chOff x="0" y="0"/>
-          <a:chExt cx="0" cy="0"/>
-        </a:xfrm>
-      </p:grpSpPr>
-      <p:sp>
-        <p:nvSpPr>
-          <p:cNvPr id="2" name="Marcador de Posição da Imagem do Diapositivo 1"/>
-          <p:cNvSpPr>
-            <a:spLocks noGrp="1" noRot="1" noChangeAspect="1"/>
-          </p:cNvSpPr>
-          <p:nvPr>
-            <p:ph type="sldImg"/>
-          </p:nvPr>
-        </p:nvSpPr>
-        <p:spPr/>
-      </p:sp>
-      <p:sp>
-        <p:nvSpPr>
-          <p:cNvPr id="3" name="Marcador de Posição de Notas 2"/>
-          <p:cNvSpPr>
-            <a:spLocks noGrp="1"/>
-          </p:cNvSpPr>
-          <p:nvPr>
-            <p:ph type="body" idx="1"/>
-          </p:nvPr>
-        </p:nvSpPr>
-        <p:spPr/>
-        <p:txBody>
-          <a:bodyPr/>
-          <a:lstStyle/>
-          <a:p>
-            <a:endParaRPr lang="pt-PT" noProof="0" dirty="0"/>
-          </a:p>
-        </p:txBody>
-      </p:sp>
-      <p:sp>
-        <p:nvSpPr>
-          <p:cNvPr id="4" name="Marcador de Posição do Número do Diapositivo 3"/>
-          <p:cNvSpPr>
-            <a:spLocks noGrp="1"/>
-          </p:cNvSpPr>
-          <p:nvPr>
-            <p:ph type="sldNum" sz="quarter" idx="5"/>
-          </p:nvPr>
-        </p:nvSpPr>
-        <p:spPr/>
-        <p:txBody>
-          <a:bodyPr/>
-          <a:lstStyle/>
-          <a:p>
-            <a:pPr rtl="0"/>
-            <a:fld id="{BA1D7B6F-E65C-42E7-86A5-0A01C6C95227}" type="slidenum">
-              <a:rPr lang="pt-PT" smtClean="0"/>
               <a:t>6</a:t>
             </a:fld>
             <a:endParaRPr lang="pt-PT"/>
@@ -1110,7 +1199,7 @@
 </p:notes>
 </file>
 
-<file path=ppt/notesSlides/notesSlide6.xml><?xml version="1.0" encoding="utf-8"?>
+<file path=ppt/notesSlides/notesSlide5.xml><?xml version="1.0" encoding="utf-8"?>
 <p:notes xmlns:a="http://schemas.openxmlformats.org/drawingml/2006/main" xmlns:r="http://schemas.openxmlformats.org/officeDocument/2006/relationships" xmlns:p="http://schemas.openxmlformats.org/presentationml/2006/main">
   <p:cSld>
     <p:spTree>
@@ -1195,7 +1284,7 @@
 </p:notes>
 </file>
 
-<file path=ppt/notesSlides/notesSlide7.xml><?xml version="1.0" encoding="utf-8"?>
+<file path=ppt/notesSlides/notesSlide6.xml><?xml version="1.0" encoding="utf-8"?>
 <p:notes xmlns:a="http://schemas.openxmlformats.org/drawingml/2006/main" xmlns:r="http://schemas.openxmlformats.org/officeDocument/2006/relationships" xmlns:p="http://schemas.openxmlformats.org/presentationml/2006/main">
   <p:cSld>
     <p:spTree>
@@ -1270,7 +1359,92 @@
     </p:spTree>
     <p:extLst>
       <p:ext uri="{BB962C8B-B14F-4D97-AF65-F5344CB8AC3E}">
-        <p14:creationId xmlns:p14="http://schemas.microsoft.com/office/powerpoint/2010/main" val="553212890"/>
+        <p14:creationId xmlns:p14="http://schemas.microsoft.com/office/powerpoint/2010/main" val="2486394106"/>
+      </p:ext>
+    </p:extLst>
+  </p:cSld>
+  <p:clrMapOvr>
+    <a:masterClrMapping/>
+  </p:clrMapOvr>
+</p:notes>
+</file>
+
+<file path=ppt/notesSlides/notesSlide7.xml><?xml version="1.0" encoding="utf-8"?>
+<p:notes xmlns:a="http://schemas.openxmlformats.org/drawingml/2006/main" xmlns:r="http://schemas.openxmlformats.org/officeDocument/2006/relationships" xmlns:p="http://schemas.openxmlformats.org/presentationml/2006/main">
+  <p:cSld>
+    <p:spTree>
+      <p:nvGrpSpPr>
+        <p:cNvPr id="1" name=""/>
+        <p:cNvGrpSpPr/>
+        <p:nvPr/>
+      </p:nvGrpSpPr>
+      <p:grpSpPr>
+        <a:xfrm>
+          <a:off x="0" y="0"/>
+          <a:ext cx="0" cy="0"/>
+          <a:chOff x="0" y="0"/>
+          <a:chExt cx="0" cy="0"/>
+        </a:xfrm>
+      </p:grpSpPr>
+      <p:sp>
+        <p:nvSpPr>
+          <p:cNvPr id="2" name="Marcador de Posição da Imagem do Diapositivo 1"/>
+          <p:cNvSpPr>
+            <a:spLocks noGrp="1" noRot="1" noChangeAspect="1"/>
+          </p:cNvSpPr>
+          <p:nvPr>
+            <p:ph type="sldImg"/>
+          </p:nvPr>
+        </p:nvSpPr>
+        <p:spPr/>
+      </p:sp>
+      <p:sp>
+        <p:nvSpPr>
+          <p:cNvPr id="3" name="Marcador de Posição de Notas 2"/>
+          <p:cNvSpPr>
+            <a:spLocks noGrp="1"/>
+          </p:cNvSpPr>
+          <p:nvPr>
+            <p:ph type="body" idx="1"/>
+          </p:nvPr>
+        </p:nvSpPr>
+        <p:spPr/>
+        <p:txBody>
+          <a:bodyPr/>
+          <a:lstStyle/>
+          <a:p>
+            <a:endParaRPr lang="pt-PT" noProof="0" dirty="0"/>
+          </a:p>
+        </p:txBody>
+      </p:sp>
+      <p:sp>
+        <p:nvSpPr>
+          <p:cNvPr id="4" name="Marcador de Posição do Número do Diapositivo 3"/>
+          <p:cNvSpPr>
+            <a:spLocks noGrp="1"/>
+          </p:cNvSpPr>
+          <p:nvPr>
+            <p:ph type="sldNum" sz="quarter" idx="5"/>
+          </p:nvPr>
+        </p:nvSpPr>
+        <p:spPr/>
+        <p:txBody>
+          <a:bodyPr/>
+          <a:lstStyle/>
+          <a:p>
+            <a:pPr rtl="0"/>
+            <a:fld id="{BA1D7B6F-E65C-42E7-86A5-0A01C6C95227}" type="slidenum">
+              <a:rPr lang="pt-PT" smtClean="0"/>
+              <a:t>9</a:t>
+            </a:fld>
+            <a:endParaRPr lang="pt-PT"/>
+          </a:p>
+        </p:txBody>
+      </p:sp>
+    </p:spTree>
+    <p:extLst>
+      <p:ext uri="{BB962C8B-B14F-4D97-AF65-F5344CB8AC3E}">
+        <p14:creationId xmlns:p14="http://schemas.microsoft.com/office/powerpoint/2010/main" val="921455462"/>
       </p:ext>
     </p:extLst>
   </p:cSld>
@@ -1346,7 +1520,7 @@
             <a:pPr rtl="0"/>
             <a:fld id="{BA1D7B6F-E65C-42E7-86A5-0A01C6C95227}" type="slidenum">
               <a:rPr lang="pt-PT" smtClean="0"/>
-              <a:t>9</a:t>
+              <a:t>10</a:t>
             </a:fld>
             <a:endParaRPr lang="pt-PT"/>
           </a:p>
@@ -1355,7 +1529,92 @@
     </p:spTree>
     <p:extLst>
       <p:ext uri="{BB962C8B-B14F-4D97-AF65-F5344CB8AC3E}">
-        <p14:creationId xmlns:p14="http://schemas.microsoft.com/office/powerpoint/2010/main" val="842547218"/>
+        <p14:creationId xmlns:p14="http://schemas.microsoft.com/office/powerpoint/2010/main" val="473503945"/>
+      </p:ext>
+    </p:extLst>
+  </p:cSld>
+  <p:clrMapOvr>
+    <a:masterClrMapping/>
+  </p:clrMapOvr>
+</p:notes>
+</file>
+
+<file path=ppt/notesSlides/notesSlide9.xml><?xml version="1.0" encoding="utf-8"?>
+<p:notes xmlns:a="http://schemas.openxmlformats.org/drawingml/2006/main" xmlns:r="http://schemas.openxmlformats.org/officeDocument/2006/relationships" xmlns:p="http://schemas.openxmlformats.org/presentationml/2006/main">
+  <p:cSld>
+    <p:spTree>
+      <p:nvGrpSpPr>
+        <p:cNvPr id="1" name=""/>
+        <p:cNvGrpSpPr/>
+        <p:nvPr/>
+      </p:nvGrpSpPr>
+      <p:grpSpPr>
+        <a:xfrm>
+          <a:off x="0" y="0"/>
+          <a:ext cx="0" cy="0"/>
+          <a:chOff x="0" y="0"/>
+          <a:chExt cx="0" cy="0"/>
+        </a:xfrm>
+      </p:grpSpPr>
+      <p:sp>
+        <p:nvSpPr>
+          <p:cNvPr id="2" name="Marcador de Posição da Imagem do Diapositivo 1"/>
+          <p:cNvSpPr>
+            <a:spLocks noGrp="1" noRot="1" noChangeAspect="1"/>
+          </p:cNvSpPr>
+          <p:nvPr>
+            <p:ph type="sldImg"/>
+          </p:nvPr>
+        </p:nvSpPr>
+        <p:spPr/>
+      </p:sp>
+      <p:sp>
+        <p:nvSpPr>
+          <p:cNvPr id="3" name="Marcador de Posição de Notas 2"/>
+          <p:cNvSpPr>
+            <a:spLocks noGrp="1"/>
+          </p:cNvSpPr>
+          <p:nvPr>
+            <p:ph type="body" idx="1"/>
+          </p:nvPr>
+        </p:nvSpPr>
+        <p:spPr/>
+        <p:txBody>
+          <a:bodyPr/>
+          <a:lstStyle/>
+          <a:p>
+            <a:endParaRPr lang="pt-PT" noProof="0" dirty="0"/>
+          </a:p>
+        </p:txBody>
+      </p:sp>
+      <p:sp>
+        <p:nvSpPr>
+          <p:cNvPr id="4" name="Marcador de Posição do Número do Diapositivo 3"/>
+          <p:cNvSpPr>
+            <a:spLocks noGrp="1"/>
+          </p:cNvSpPr>
+          <p:nvPr>
+            <p:ph type="sldNum" sz="quarter" idx="5"/>
+          </p:nvPr>
+        </p:nvSpPr>
+        <p:spPr/>
+        <p:txBody>
+          <a:bodyPr/>
+          <a:lstStyle/>
+          <a:p>
+            <a:pPr rtl="0"/>
+            <a:fld id="{BA1D7B6F-E65C-42E7-86A5-0A01C6C95227}" type="slidenum">
+              <a:rPr lang="pt-PT" smtClean="0"/>
+              <a:t>11</a:t>
+            </a:fld>
+            <a:endParaRPr lang="pt-PT"/>
+          </a:p>
+        </p:txBody>
+      </p:sp>
+    </p:spTree>
+    <p:extLst>
+      <p:ext uri="{BB962C8B-B14F-4D97-AF65-F5344CB8AC3E}">
+        <p14:creationId xmlns:p14="http://schemas.microsoft.com/office/powerpoint/2010/main" val="3853657237"/>
       </p:ext>
     </p:extLst>
   </p:cSld>
@@ -27136,6 +27395,1164 @@
 </p:sld>
 </file>
 
+<file path=ppt/slides/slide10.xml><?xml version="1.0" encoding="utf-8"?>
+<p:sld xmlns:a="http://schemas.openxmlformats.org/drawingml/2006/main" xmlns:r="http://schemas.openxmlformats.org/officeDocument/2006/relationships" xmlns:p="http://schemas.openxmlformats.org/presentationml/2006/main">
+  <p:cSld>
+    <p:spTree>
+      <p:nvGrpSpPr>
+        <p:cNvPr id="1" name=""/>
+        <p:cNvGrpSpPr/>
+        <p:nvPr/>
+      </p:nvGrpSpPr>
+      <p:grpSpPr>
+        <a:xfrm>
+          <a:off x="0" y="0"/>
+          <a:ext cx="0" cy="0"/>
+          <a:chOff x="0" y="0"/>
+          <a:chExt cx="0" cy="0"/>
+        </a:xfrm>
+      </p:grpSpPr>
+      <p:sp>
+        <p:nvSpPr>
+          <p:cNvPr id="4" name="Marcador de Posição do Número do Diapositivo 3">
+            <a:extLst>
+              <a:ext uri="{FF2B5EF4-FFF2-40B4-BE49-F238E27FC236}">
+                <a16:creationId xmlns:a16="http://schemas.microsoft.com/office/drawing/2014/main" id="{1D6158BA-8D0B-4C52-9952-51D361C7F3ED}"/>
+              </a:ext>
+            </a:extLst>
+          </p:cNvPr>
+          <p:cNvSpPr>
+            <a:spLocks noGrp="1"/>
+          </p:cNvSpPr>
+          <p:nvPr>
+            <p:ph type="sldNum" sz="quarter" idx="12"/>
+          </p:nvPr>
+        </p:nvSpPr>
+        <p:spPr>
+          <a:xfrm>
+            <a:off x="11163743" y="5945824"/>
+            <a:ext cx="642257" cy="365125"/>
+          </a:xfrm>
+        </p:spPr>
+        <p:txBody>
+          <a:bodyPr vert="horz" lIns="91440" tIns="45720" rIns="91440" bIns="45720" rtlCol="0" anchor="ctr">
+            <a:normAutofit/>
+          </a:bodyPr>
+          <a:lstStyle/>
+          <a:p>
+            <a:pPr>
+              <a:spcAft>
+                <a:spcPts val="600"/>
+              </a:spcAft>
+            </a:pPr>
+            <a:fld id="{98C0CDE5-970C-4CC4-BF43-0DA127E73E82}" type="slidenum">
+              <a:rPr lang="pt-PT" smtClean="0"/>
+              <a:pPr>
+                <a:spcAft>
+                  <a:spcPts val="600"/>
+                </a:spcAft>
+              </a:pPr>
+              <a:t>10</a:t>
+            </a:fld>
+            <a:endParaRPr lang="pt-PT"/>
+          </a:p>
+        </p:txBody>
+      </p:sp>
+      <p:sp>
+        <p:nvSpPr>
+          <p:cNvPr id="8" name="Título 1">
+            <a:extLst>
+              <a:ext uri="{FF2B5EF4-FFF2-40B4-BE49-F238E27FC236}">
+                <a16:creationId xmlns:a16="http://schemas.microsoft.com/office/drawing/2014/main" id="{AD8F97A6-C009-9A15-C775-4093D758E708}"/>
+              </a:ext>
+            </a:extLst>
+          </p:cNvPr>
+          <p:cNvSpPr txBox="1">
+            <a:spLocks/>
+          </p:cNvSpPr>
+          <p:nvPr/>
+        </p:nvSpPr>
+        <p:spPr>
+          <a:xfrm rot="21180000">
+            <a:off x="64407" y="435777"/>
+            <a:ext cx="4391191" cy="1325563"/>
+          </a:xfrm>
+          <a:prstGeom prst="rect">
+            <a:avLst/>
+          </a:prstGeom>
+        </p:spPr>
+        <p:txBody>
+          <a:bodyPr vert="horz" lIns="91440" tIns="45720" rIns="91440" bIns="45720" rtlCol="0" anchor="ctr" anchorCtr="0">
+            <a:normAutofit/>
+          </a:bodyPr>
+          <a:lstStyle>
+            <a:lvl1pPr algn="l" defTabSz="914400" rtl="0" eaLnBrk="1" latinLnBrk="0" hangingPunct="1">
+              <a:lnSpc>
+                <a:spcPct val="90000"/>
+              </a:lnSpc>
+              <a:spcBef>
+                <a:spcPct val="0"/>
+              </a:spcBef>
+              <a:buNone/>
+              <a:defRPr sz="2000" b="1" kern="1200">
+                <a:solidFill>
+                  <a:schemeClr val="bg1"/>
+                </a:solidFill>
+                <a:latin typeface="+mn-lt"/>
+                <a:ea typeface="+mj-ea"/>
+                <a:cs typeface="+mj-cs"/>
+              </a:defRPr>
+            </a:lvl1pPr>
+          </a:lstStyle>
+          <a:p>
+            <a:pPr>
+              <a:spcAft>
+                <a:spcPts val="600"/>
+              </a:spcAft>
+            </a:pPr>
+            <a:endParaRPr lang="pt-PT" sz="4000" b="1" kern="1200" dirty="0">
+              <a:latin typeface="+mj-lt"/>
+              <a:ea typeface="+mj-ea"/>
+              <a:cs typeface="+mj-cs"/>
+            </a:endParaRPr>
+          </a:p>
+        </p:txBody>
+      </p:sp>
+      <p:sp>
+        <p:nvSpPr>
+          <p:cNvPr id="13" name="TextBox 12">
+            <a:extLst>
+              <a:ext uri="{FF2B5EF4-FFF2-40B4-BE49-F238E27FC236}">
+                <a16:creationId xmlns:a16="http://schemas.microsoft.com/office/drawing/2014/main" id="{959942CE-1583-4645-BC20-4203D69C117F}"/>
+              </a:ext>
+            </a:extLst>
+          </p:cNvPr>
+          <p:cNvSpPr txBox="1"/>
+          <p:nvPr/>
+        </p:nvSpPr>
+        <p:spPr>
+          <a:xfrm>
+            <a:off x="1221357" y="1755007"/>
+            <a:ext cx="8179150" cy="646331"/>
+          </a:xfrm>
+          <a:prstGeom prst="rect">
+            <a:avLst/>
+          </a:prstGeom>
+          <a:noFill/>
+        </p:spPr>
+        <p:txBody>
+          <a:bodyPr wrap="square" rtlCol="0">
+            <a:spAutoFit/>
+          </a:bodyPr>
+          <a:lstStyle/>
+          <a:p>
+            <a:pPr rtl="0">
+              <a:spcBef>
+                <a:spcPts val="1200"/>
+              </a:spcBef>
+              <a:spcAft>
+                <a:spcPts val="1200"/>
+              </a:spcAft>
+            </a:pPr>
+            <a:br>
+              <a:rPr lang="pt-PT" dirty="0"/>
+            </a:br>
+            <a:endParaRPr lang="pt-PT" dirty="0"/>
+          </a:p>
+        </p:txBody>
+      </p:sp>
+      <p:sp>
+        <p:nvSpPr>
+          <p:cNvPr id="6" name="TextBox 5">
+            <a:extLst>
+              <a:ext uri="{FF2B5EF4-FFF2-40B4-BE49-F238E27FC236}">
+                <a16:creationId xmlns:a16="http://schemas.microsoft.com/office/drawing/2014/main" id="{42CD916E-6251-29FD-B1E0-295EACF1158E}"/>
+              </a:ext>
+            </a:extLst>
+          </p:cNvPr>
+          <p:cNvSpPr txBox="1"/>
+          <p:nvPr/>
+        </p:nvSpPr>
+        <p:spPr>
+          <a:xfrm rot="21074713">
+            <a:off x="-54777" y="549487"/>
+            <a:ext cx="5167940" cy="677108"/>
+          </a:xfrm>
+          <a:prstGeom prst="rect">
+            <a:avLst/>
+          </a:prstGeom>
+          <a:noFill/>
+        </p:spPr>
+        <p:txBody>
+          <a:bodyPr wrap="square">
+            <a:spAutoFit/>
+          </a:bodyPr>
+          <a:lstStyle/>
+          <a:p>
+            <a:pPr>
+              <a:spcAft>
+                <a:spcPts val="600"/>
+              </a:spcAft>
+            </a:pPr>
+            <a:r>
+              <a:rPr lang="pt-PT" sz="3800" b="0" i="0" dirty="0">
+                <a:solidFill>
+                  <a:schemeClr val="bg1"/>
+                </a:solidFill>
+                <a:effectLst/>
+                <a:latin typeface="Söhne"/>
+              </a:rPr>
+              <a:t>Estratégias p/ Melhorar</a:t>
+            </a:r>
+            <a:endParaRPr lang="pt-PT" sz="3800" b="1" kern="1200" dirty="0">
+              <a:solidFill>
+                <a:schemeClr val="bg1"/>
+              </a:solidFill>
+              <a:latin typeface="+mj-lt"/>
+              <a:ea typeface="+mj-ea"/>
+              <a:cs typeface="+mj-cs"/>
+            </a:endParaRPr>
+          </a:p>
+        </p:txBody>
+      </p:sp>
+      <p:sp>
+        <p:nvSpPr>
+          <p:cNvPr id="9" name="TextBox 8">
+            <a:extLst>
+              <a:ext uri="{FF2B5EF4-FFF2-40B4-BE49-F238E27FC236}">
+                <a16:creationId xmlns:a16="http://schemas.microsoft.com/office/drawing/2014/main" id="{1BD2F5C7-72CC-2498-A913-D3629CF82F1C}"/>
+              </a:ext>
+            </a:extLst>
+          </p:cNvPr>
+          <p:cNvSpPr txBox="1"/>
+          <p:nvPr/>
+        </p:nvSpPr>
+        <p:spPr>
+          <a:xfrm>
+            <a:off x="1131405" y="1674695"/>
+            <a:ext cx="9839238" cy="3970318"/>
+          </a:xfrm>
+          <a:prstGeom prst="rect">
+            <a:avLst/>
+          </a:prstGeom>
+          <a:noFill/>
+        </p:spPr>
+        <p:txBody>
+          <a:bodyPr wrap="square">
+            <a:spAutoFit/>
+          </a:bodyPr>
+          <a:lstStyle/>
+          <a:p>
+            <a:pPr algn="l"/>
+            <a:r>
+              <a:rPr lang="pt-PT" sz="2800" b="0" i="0" dirty="0">
+                <a:solidFill>
+                  <a:srgbClr val="0D0D0D"/>
+                </a:solidFill>
+                <a:effectLst/>
+                <a:latin typeface="Söhne"/>
+              </a:rPr>
+              <a:t>Pratique a Escuta Ativa: Demonstre interesse genuíno pelo que o outro está dizendo, respondendo de maneira empática e mostrando que você valoriza a interação.</a:t>
+            </a:r>
+          </a:p>
+          <a:p>
+            <a:pPr algn="l"/>
+            <a:endParaRPr lang="pt-PT" sz="2800" b="0" i="0" dirty="0">
+              <a:solidFill>
+                <a:srgbClr val="0D0D0D"/>
+              </a:solidFill>
+              <a:effectLst/>
+              <a:latin typeface="Söhne"/>
+            </a:endParaRPr>
+          </a:p>
+          <a:p>
+            <a:pPr algn="l"/>
+            <a:r>
+              <a:rPr lang="pt-PT" sz="2800" b="0" i="0" dirty="0">
+                <a:solidFill>
+                  <a:srgbClr val="0D0D0D"/>
+                </a:solidFill>
+                <a:effectLst/>
+                <a:latin typeface="Söhne"/>
+              </a:rPr>
+              <a:t>Seja Consciente da Linguagem Corporal: Mantenha uma postura aberta, faça contato visual e sorria para transmitir calor e receptividade.</a:t>
+            </a:r>
+          </a:p>
+          <a:p>
+            <a:br>
+              <a:rPr lang="pt-PT" sz="2800" dirty="0"/>
+            </a:br>
+            <a:endParaRPr lang="pt-PT" sz="2800" dirty="0">
+              <a:solidFill>
+                <a:srgbClr val="000000"/>
+              </a:solidFill>
+            </a:endParaRPr>
+          </a:p>
+        </p:txBody>
+      </p:sp>
+    </p:spTree>
+    <p:extLst>
+      <p:ext uri="{BB962C8B-B14F-4D97-AF65-F5344CB8AC3E}">
+        <p14:creationId xmlns:p14="http://schemas.microsoft.com/office/powerpoint/2010/main" val="984270889"/>
+      </p:ext>
+    </p:extLst>
+  </p:cSld>
+  <p:clrMapOvr>
+    <a:masterClrMapping/>
+  </p:clrMapOvr>
+</p:sld>
+</file>
+
+<file path=ppt/slides/slide11.xml><?xml version="1.0" encoding="utf-8"?>
+<p:sld xmlns:a="http://schemas.openxmlformats.org/drawingml/2006/main" xmlns:r="http://schemas.openxmlformats.org/officeDocument/2006/relationships" xmlns:p="http://schemas.openxmlformats.org/presentationml/2006/main">
+  <p:cSld>
+    <p:spTree>
+      <p:nvGrpSpPr>
+        <p:cNvPr id="1" name=""/>
+        <p:cNvGrpSpPr/>
+        <p:nvPr/>
+      </p:nvGrpSpPr>
+      <p:grpSpPr>
+        <a:xfrm>
+          <a:off x="0" y="0"/>
+          <a:ext cx="0" cy="0"/>
+          <a:chOff x="0" y="0"/>
+          <a:chExt cx="0" cy="0"/>
+        </a:xfrm>
+      </p:grpSpPr>
+      <p:sp>
+        <p:nvSpPr>
+          <p:cNvPr id="4" name="Marcador de Posição do Número do Diapositivo 3">
+            <a:extLst>
+              <a:ext uri="{FF2B5EF4-FFF2-40B4-BE49-F238E27FC236}">
+                <a16:creationId xmlns:a16="http://schemas.microsoft.com/office/drawing/2014/main" id="{1D6158BA-8D0B-4C52-9952-51D361C7F3ED}"/>
+              </a:ext>
+            </a:extLst>
+          </p:cNvPr>
+          <p:cNvSpPr>
+            <a:spLocks noGrp="1"/>
+          </p:cNvSpPr>
+          <p:nvPr>
+            <p:ph type="sldNum" sz="quarter" idx="12"/>
+          </p:nvPr>
+        </p:nvSpPr>
+        <p:spPr>
+          <a:xfrm>
+            <a:off x="11163743" y="5945824"/>
+            <a:ext cx="642257" cy="365125"/>
+          </a:xfrm>
+        </p:spPr>
+        <p:txBody>
+          <a:bodyPr vert="horz" lIns="91440" tIns="45720" rIns="91440" bIns="45720" rtlCol="0" anchor="ctr">
+            <a:normAutofit/>
+          </a:bodyPr>
+          <a:lstStyle/>
+          <a:p>
+            <a:pPr>
+              <a:spcAft>
+                <a:spcPts val="600"/>
+              </a:spcAft>
+            </a:pPr>
+            <a:fld id="{98C0CDE5-970C-4CC4-BF43-0DA127E73E82}" type="slidenum">
+              <a:rPr lang="pt-PT" smtClean="0"/>
+              <a:pPr>
+                <a:spcAft>
+                  <a:spcPts val="600"/>
+                </a:spcAft>
+              </a:pPr>
+              <a:t>11</a:t>
+            </a:fld>
+            <a:endParaRPr lang="pt-PT"/>
+          </a:p>
+        </p:txBody>
+      </p:sp>
+      <p:sp>
+        <p:nvSpPr>
+          <p:cNvPr id="8" name="Título 1">
+            <a:extLst>
+              <a:ext uri="{FF2B5EF4-FFF2-40B4-BE49-F238E27FC236}">
+                <a16:creationId xmlns:a16="http://schemas.microsoft.com/office/drawing/2014/main" id="{AD8F97A6-C009-9A15-C775-4093D758E708}"/>
+              </a:ext>
+            </a:extLst>
+          </p:cNvPr>
+          <p:cNvSpPr txBox="1">
+            <a:spLocks/>
+          </p:cNvSpPr>
+          <p:nvPr/>
+        </p:nvSpPr>
+        <p:spPr>
+          <a:xfrm rot="21180000">
+            <a:off x="64407" y="435777"/>
+            <a:ext cx="4391191" cy="1325563"/>
+          </a:xfrm>
+          <a:prstGeom prst="rect">
+            <a:avLst/>
+          </a:prstGeom>
+        </p:spPr>
+        <p:txBody>
+          <a:bodyPr vert="horz" lIns="91440" tIns="45720" rIns="91440" bIns="45720" rtlCol="0" anchor="ctr" anchorCtr="0">
+            <a:normAutofit/>
+          </a:bodyPr>
+          <a:lstStyle>
+            <a:lvl1pPr algn="l" defTabSz="914400" rtl="0" eaLnBrk="1" latinLnBrk="0" hangingPunct="1">
+              <a:lnSpc>
+                <a:spcPct val="90000"/>
+              </a:lnSpc>
+              <a:spcBef>
+                <a:spcPct val="0"/>
+              </a:spcBef>
+              <a:buNone/>
+              <a:defRPr sz="2000" b="1" kern="1200">
+                <a:solidFill>
+                  <a:schemeClr val="bg1"/>
+                </a:solidFill>
+                <a:latin typeface="+mn-lt"/>
+                <a:ea typeface="+mj-ea"/>
+                <a:cs typeface="+mj-cs"/>
+              </a:defRPr>
+            </a:lvl1pPr>
+          </a:lstStyle>
+          <a:p>
+            <a:pPr>
+              <a:spcAft>
+                <a:spcPts val="600"/>
+              </a:spcAft>
+            </a:pPr>
+            <a:endParaRPr lang="pt-PT" sz="4000" b="1" kern="1200" dirty="0">
+              <a:latin typeface="+mj-lt"/>
+              <a:ea typeface="+mj-ea"/>
+              <a:cs typeface="+mj-cs"/>
+            </a:endParaRPr>
+          </a:p>
+        </p:txBody>
+      </p:sp>
+      <p:sp>
+        <p:nvSpPr>
+          <p:cNvPr id="13" name="TextBox 12">
+            <a:extLst>
+              <a:ext uri="{FF2B5EF4-FFF2-40B4-BE49-F238E27FC236}">
+                <a16:creationId xmlns:a16="http://schemas.microsoft.com/office/drawing/2014/main" id="{959942CE-1583-4645-BC20-4203D69C117F}"/>
+              </a:ext>
+            </a:extLst>
+          </p:cNvPr>
+          <p:cNvSpPr txBox="1"/>
+          <p:nvPr/>
+        </p:nvSpPr>
+        <p:spPr>
+          <a:xfrm>
+            <a:off x="1221357" y="1755007"/>
+            <a:ext cx="8179150" cy="646331"/>
+          </a:xfrm>
+          <a:prstGeom prst="rect">
+            <a:avLst/>
+          </a:prstGeom>
+          <a:noFill/>
+        </p:spPr>
+        <p:txBody>
+          <a:bodyPr wrap="square" rtlCol="0">
+            <a:spAutoFit/>
+          </a:bodyPr>
+          <a:lstStyle/>
+          <a:p>
+            <a:pPr rtl="0">
+              <a:spcBef>
+                <a:spcPts val="1200"/>
+              </a:spcBef>
+              <a:spcAft>
+                <a:spcPts val="1200"/>
+              </a:spcAft>
+            </a:pPr>
+            <a:br>
+              <a:rPr lang="pt-PT" dirty="0"/>
+            </a:br>
+            <a:endParaRPr lang="pt-PT" dirty="0"/>
+          </a:p>
+        </p:txBody>
+      </p:sp>
+      <p:sp>
+        <p:nvSpPr>
+          <p:cNvPr id="6" name="TextBox 5">
+            <a:extLst>
+              <a:ext uri="{FF2B5EF4-FFF2-40B4-BE49-F238E27FC236}">
+                <a16:creationId xmlns:a16="http://schemas.microsoft.com/office/drawing/2014/main" id="{42CD916E-6251-29FD-B1E0-295EACF1158E}"/>
+              </a:ext>
+            </a:extLst>
+          </p:cNvPr>
+          <p:cNvSpPr txBox="1"/>
+          <p:nvPr/>
+        </p:nvSpPr>
+        <p:spPr>
+          <a:xfrm rot="21074713">
+            <a:off x="-54777" y="534098"/>
+            <a:ext cx="5167940" cy="707886"/>
+          </a:xfrm>
+          <a:prstGeom prst="rect">
+            <a:avLst/>
+          </a:prstGeom>
+          <a:noFill/>
+        </p:spPr>
+        <p:txBody>
+          <a:bodyPr wrap="square">
+            <a:spAutoFit/>
+          </a:bodyPr>
+          <a:lstStyle/>
+          <a:p>
+            <a:pPr>
+              <a:spcAft>
+                <a:spcPts val="600"/>
+              </a:spcAft>
+            </a:pPr>
+            <a:r>
+              <a:rPr lang="pt-PT" sz="4000" b="1" i="0" dirty="0">
+                <a:solidFill>
+                  <a:schemeClr val="bg1"/>
+                </a:solidFill>
+                <a:effectLst/>
+                <a:latin typeface="Söhne"/>
+              </a:rPr>
+              <a:t>Contexto</a:t>
+            </a:r>
+            <a:r>
+              <a:rPr lang="pt-PT" sz="4000" b="1" i="0" dirty="0">
+                <a:solidFill>
+                  <a:srgbClr val="0D0D0D"/>
+                </a:solidFill>
+                <a:effectLst/>
+                <a:latin typeface="Söhne"/>
+              </a:rPr>
+              <a:t> </a:t>
+            </a:r>
+            <a:endParaRPr lang="pt-PT" sz="3800" b="1" kern="1200" dirty="0">
+              <a:solidFill>
+                <a:schemeClr val="bg1"/>
+              </a:solidFill>
+              <a:latin typeface="+mj-lt"/>
+              <a:ea typeface="+mj-ea"/>
+              <a:cs typeface="+mj-cs"/>
+            </a:endParaRPr>
+          </a:p>
+        </p:txBody>
+      </p:sp>
+      <p:sp>
+        <p:nvSpPr>
+          <p:cNvPr id="9" name="TextBox 8">
+            <a:extLst>
+              <a:ext uri="{FF2B5EF4-FFF2-40B4-BE49-F238E27FC236}">
+                <a16:creationId xmlns:a16="http://schemas.microsoft.com/office/drawing/2014/main" id="{1BD2F5C7-72CC-2498-A913-D3629CF82F1C}"/>
+              </a:ext>
+            </a:extLst>
+          </p:cNvPr>
+          <p:cNvSpPr txBox="1"/>
+          <p:nvPr/>
+        </p:nvSpPr>
+        <p:spPr>
+          <a:xfrm>
+            <a:off x="1131405" y="2023976"/>
+            <a:ext cx="9839238" cy="1815882"/>
+          </a:xfrm>
+          <a:prstGeom prst="rect">
+            <a:avLst/>
+          </a:prstGeom>
+          <a:noFill/>
+        </p:spPr>
+        <p:txBody>
+          <a:bodyPr wrap="square">
+            <a:spAutoFit/>
+          </a:bodyPr>
+          <a:lstStyle/>
+          <a:p>
+            <a:pPr algn="l"/>
+            <a:r>
+              <a:rPr lang="pt-PT" sz="2800" b="0" i="0" dirty="0">
+                <a:solidFill>
+                  <a:srgbClr val="0D0D0D"/>
+                </a:solidFill>
+                <a:effectLst/>
+                <a:latin typeface="Söhne"/>
+              </a:rPr>
+              <a:t>A compreensão do contexto é essencial na comunicação fática. Ambiente, cultura e relacionamento prévio influenciam significativamente a forma como interpretamos e respondemos aos sinais fáticos.</a:t>
+            </a:r>
+            <a:endParaRPr lang="pt-PT" sz="2800" dirty="0">
+              <a:solidFill>
+                <a:srgbClr val="000000"/>
+              </a:solidFill>
+            </a:endParaRPr>
+          </a:p>
+        </p:txBody>
+      </p:sp>
+    </p:spTree>
+    <p:extLst>
+      <p:ext uri="{BB962C8B-B14F-4D97-AF65-F5344CB8AC3E}">
+        <p14:creationId xmlns:p14="http://schemas.microsoft.com/office/powerpoint/2010/main" val="1660745626"/>
+      </p:ext>
+    </p:extLst>
+  </p:cSld>
+  <p:clrMapOvr>
+    <a:masterClrMapping/>
+  </p:clrMapOvr>
+</p:sld>
+</file>
+
+<file path=ppt/slides/slide12.xml><?xml version="1.0" encoding="utf-8"?>
+<p:sld xmlns:a="http://schemas.openxmlformats.org/drawingml/2006/main" xmlns:r="http://schemas.openxmlformats.org/officeDocument/2006/relationships" xmlns:p="http://schemas.openxmlformats.org/presentationml/2006/main">
+  <p:cSld>
+    <p:spTree>
+      <p:nvGrpSpPr>
+        <p:cNvPr id="1" name=""/>
+        <p:cNvGrpSpPr/>
+        <p:nvPr/>
+      </p:nvGrpSpPr>
+      <p:grpSpPr>
+        <a:xfrm>
+          <a:off x="0" y="0"/>
+          <a:ext cx="0" cy="0"/>
+          <a:chOff x="0" y="0"/>
+          <a:chExt cx="0" cy="0"/>
+        </a:xfrm>
+      </p:grpSpPr>
+      <p:sp>
+        <p:nvSpPr>
+          <p:cNvPr id="4" name="Marcador de Posição do Número do Diapositivo 3">
+            <a:extLst>
+              <a:ext uri="{FF2B5EF4-FFF2-40B4-BE49-F238E27FC236}">
+                <a16:creationId xmlns:a16="http://schemas.microsoft.com/office/drawing/2014/main" id="{1D6158BA-8D0B-4C52-9952-51D361C7F3ED}"/>
+              </a:ext>
+            </a:extLst>
+          </p:cNvPr>
+          <p:cNvSpPr>
+            <a:spLocks noGrp="1"/>
+          </p:cNvSpPr>
+          <p:nvPr>
+            <p:ph type="sldNum" sz="quarter" idx="12"/>
+          </p:nvPr>
+        </p:nvSpPr>
+        <p:spPr>
+          <a:xfrm>
+            <a:off x="11163743" y="5945824"/>
+            <a:ext cx="642257" cy="365125"/>
+          </a:xfrm>
+        </p:spPr>
+        <p:txBody>
+          <a:bodyPr vert="horz" lIns="91440" tIns="45720" rIns="91440" bIns="45720" rtlCol="0" anchor="ctr">
+            <a:normAutofit/>
+          </a:bodyPr>
+          <a:lstStyle/>
+          <a:p>
+            <a:pPr>
+              <a:spcAft>
+                <a:spcPts val="600"/>
+              </a:spcAft>
+            </a:pPr>
+            <a:fld id="{98C0CDE5-970C-4CC4-BF43-0DA127E73E82}" type="slidenum">
+              <a:rPr lang="pt-PT" smtClean="0"/>
+              <a:pPr>
+                <a:spcAft>
+                  <a:spcPts val="600"/>
+                </a:spcAft>
+              </a:pPr>
+              <a:t>12</a:t>
+            </a:fld>
+            <a:endParaRPr lang="pt-PT"/>
+          </a:p>
+        </p:txBody>
+      </p:sp>
+      <p:sp>
+        <p:nvSpPr>
+          <p:cNvPr id="8" name="Título 1">
+            <a:extLst>
+              <a:ext uri="{FF2B5EF4-FFF2-40B4-BE49-F238E27FC236}">
+                <a16:creationId xmlns:a16="http://schemas.microsoft.com/office/drawing/2014/main" id="{AD8F97A6-C009-9A15-C775-4093D758E708}"/>
+              </a:ext>
+            </a:extLst>
+          </p:cNvPr>
+          <p:cNvSpPr txBox="1">
+            <a:spLocks/>
+          </p:cNvSpPr>
+          <p:nvPr/>
+        </p:nvSpPr>
+        <p:spPr>
+          <a:xfrm rot="21180000">
+            <a:off x="64407" y="435777"/>
+            <a:ext cx="4391191" cy="1325563"/>
+          </a:xfrm>
+          <a:prstGeom prst="rect">
+            <a:avLst/>
+          </a:prstGeom>
+        </p:spPr>
+        <p:txBody>
+          <a:bodyPr vert="horz" lIns="91440" tIns="45720" rIns="91440" bIns="45720" rtlCol="0" anchor="ctr" anchorCtr="0">
+            <a:normAutofit/>
+          </a:bodyPr>
+          <a:lstStyle>
+            <a:lvl1pPr algn="l" defTabSz="914400" rtl="0" eaLnBrk="1" latinLnBrk="0" hangingPunct="1">
+              <a:lnSpc>
+                <a:spcPct val="90000"/>
+              </a:lnSpc>
+              <a:spcBef>
+                <a:spcPct val="0"/>
+              </a:spcBef>
+              <a:buNone/>
+              <a:defRPr sz="2000" b="1" kern="1200">
+                <a:solidFill>
+                  <a:schemeClr val="bg1"/>
+                </a:solidFill>
+                <a:latin typeface="+mn-lt"/>
+                <a:ea typeface="+mj-ea"/>
+                <a:cs typeface="+mj-cs"/>
+              </a:defRPr>
+            </a:lvl1pPr>
+          </a:lstStyle>
+          <a:p>
+            <a:pPr>
+              <a:spcAft>
+                <a:spcPts val="600"/>
+              </a:spcAft>
+            </a:pPr>
+            <a:endParaRPr lang="pt-PT" sz="4000" b="1" kern="1200" dirty="0">
+              <a:latin typeface="+mj-lt"/>
+              <a:ea typeface="+mj-ea"/>
+              <a:cs typeface="+mj-cs"/>
+            </a:endParaRPr>
+          </a:p>
+        </p:txBody>
+      </p:sp>
+      <p:sp>
+        <p:nvSpPr>
+          <p:cNvPr id="13" name="TextBox 12">
+            <a:extLst>
+              <a:ext uri="{FF2B5EF4-FFF2-40B4-BE49-F238E27FC236}">
+                <a16:creationId xmlns:a16="http://schemas.microsoft.com/office/drawing/2014/main" id="{959942CE-1583-4645-BC20-4203D69C117F}"/>
+              </a:ext>
+            </a:extLst>
+          </p:cNvPr>
+          <p:cNvSpPr txBox="1"/>
+          <p:nvPr/>
+        </p:nvSpPr>
+        <p:spPr>
+          <a:xfrm>
+            <a:off x="1221357" y="1755007"/>
+            <a:ext cx="8179150" cy="646331"/>
+          </a:xfrm>
+          <a:prstGeom prst="rect">
+            <a:avLst/>
+          </a:prstGeom>
+          <a:noFill/>
+        </p:spPr>
+        <p:txBody>
+          <a:bodyPr wrap="square" rtlCol="0">
+            <a:spAutoFit/>
+          </a:bodyPr>
+          <a:lstStyle/>
+          <a:p>
+            <a:pPr rtl="0">
+              <a:spcBef>
+                <a:spcPts val="1200"/>
+              </a:spcBef>
+              <a:spcAft>
+                <a:spcPts val="1200"/>
+              </a:spcAft>
+            </a:pPr>
+            <a:br>
+              <a:rPr lang="pt-PT" dirty="0"/>
+            </a:br>
+            <a:endParaRPr lang="pt-PT" dirty="0"/>
+          </a:p>
+        </p:txBody>
+      </p:sp>
+      <p:sp>
+        <p:nvSpPr>
+          <p:cNvPr id="6" name="TextBox 5">
+            <a:extLst>
+              <a:ext uri="{FF2B5EF4-FFF2-40B4-BE49-F238E27FC236}">
+                <a16:creationId xmlns:a16="http://schemas.microsoft.com/office/drawing/2014/main" id="{42CD916E-6251-29FD-B1E0-295EACF1158E}"/>
+              </a:ext>
+            </a:extLst>
+          </p:cNvPr>
+          <p:cNvSpPr txBox="1"/>
+          <p:nvPr/>
+        </p:nvSpPr>
+        <p:spPr>
+          <a:xfrm rot="21074713">
+            <a:off x="162849" y="475647"/>
+            <a:ext cx="5124061" cy="707886"/>
+          </a:xfrm>
+          <a:prstGeom prst="rect">
+            <a:avLst/>
+          </a:prstGeom>
+          <a:noFill/>
+        </p:spPr>
+        <p:txBody>
+          <a:bodyPr wrap="square">
+            <a:spAutoFit/>
+          </a:bodyPr>
+          <a:lstStyle/>
+          <a:p>
+            <a:pPr>
+              <a:spcAft>
+                <a:spcPts val="600"/>
+              </a:spcAft>
+            </a:pPr>
+            <a:r>
+              <a:rPr lang="pt-PT" sz="4000" i="0" dirty="0">
+                <a:solidFill>
+                  <a:schemeClr val="bg1"/>
+                </a:solidFill>
+                <a:effectLst/>
+                <a:latin typeface="Söhne"/>
+              </a:rPr>
+              <a:t>Variedade</a:t>
+            </a:r>
+            <a:endParaRPr lang="pt-PT" sz="3800" kern="1200" dirty="0">
+              <a:solidFill>
+                <a:schemeClr val="bg1"/>
+              </a:solidFill>
+              <a:latin typeface="+mj-lt"/>
+              <a:ea typeface="+mj-ea"/>
+              <a:cs typeface="+mj-cs"/>
+            </a:endParaRPr>
+          </a:p>
+        </p:txBody>
+      </p:sp>
+      <p:sp>
+        <p:nvSpPr>
+          <p:cNvPr id="9" name="TextBox 8">
+            <a:extLst>
+              <a:ext uri="{FF2B5EF4-FFF2-40B4-BE49-F238E27FC236}">
+                <a16:creationId xmlns:a16="http://schemas.microsoft.com/office/drawing/2014/main" id="{1BD2F5C7-72CC-2498-A913-D3629CF82F1C}"/>
+              </a:ext>
+            </a:extLst>
+          </p:cNvPr>
+          <p:cNvSpPr txBox="1"/>
+          <p:nvPr/>
+        </p:nvSpPr>
+        <p:spPr>
+          <a:xfrm>
+            <a:off x="1131405" y="2023976"/>
+            <a:ext cx="9839238" cy="1815882"/>
+          </a:xfrm>
+          <a:prstGeom prst="rect">
+            <a:avLst/>
+          </a:prstGeom>
+          <a:noFill/>
+        </p:spPr>
+        <p:txBody>
+          <a:bodyPr wrap="square">
+            <a:spAutoFit/>
+          </a:bodyPr>
+          <a:lstStyle/>
+          <a:p>
+            <a:pPr algn="l"/>
+            <a:r>
+              <a:rPr lang="pt-PT" sz="2800" b="0" i="0" dirty="0">
+                <a:solidFill>
+                  <a:srgbClr val="0D0D0D"/>
+                </a:solidFill>
+                <a:effectLst/>
+                <a:latin typeface="Söhne"/>
+              </a:rPr>
+              <a:t>Os sinais fáticos podem assumir várias formas, desde pequenos gestos, como um aperto de mão, até conversas casuais no corredor. Essa diversidade reflete a adaptabilidade da comunicação humana.</a:t>
+            </a:r>
+            <a:endParaRPr lang="pt-PT" sz="2800" dirty="0">
+              <a:solidFill>
+                <a:srgbClr val="000000"/>
+              </a:solidFill>
+            </a:endParaRPr>
+          </a:p>
+        </p:txBody>
+      </p:sp>
+    </p:spTree>
+    <p:extLst>
+      <p:ext uri="{BB962C8B-B14F-4D97-AF65-F5344CB8AC3E}">
+        <p14:creationId xmlns:p14="http://schemas.microsoft.com/office/powerpoint/2010/main" val="3710096384"/>
+      </p:ext>
+    </p:extLst>
+  </p:cSld>
+  <p:clrMapOvr>
+    <a:masterClrMapping/>
+  </p:clrMapOvr>
+</p:sld>
+</file>
+
+<file path=ppt/slides/slide13.xml><?xml version="1.0" encoding="utf-8"?>
+<p:sld xmlns:a="http://schemas.openxmlformats.org/drawingml/2006/main" xmlns:r="http://schemas.openxmlformats.org/officeDocument/2006/relationships" xmlns:p="http://schemas.openxmlformats.org/presentationml/2006/main">
+  <p:cSld>
+    <p:spTree>
+      <p:nvGrpSpPr>
+        <p:cNvPr id="1" name=""/>
+        <p:cNvGrpSpPr/>
+        <p:nvPr/>
+      </p:nvGrpSpPr>
+      <p:grpSpPr>
+        <a:xfrm>
+          <a:off x="0" y="0"/>
+          <a:ext cx="0" cy="0"/>
+          <a:chOff x="0" y="0"/>
+          <a:chExt cx="0" cy="0"/>
+        </a:xfrm>
+      </p:grpSpPr>
+      <p:sp>
+        <p:nvSpPr>
+          <p:cNvPr id="4" name="Marcador de Posição do Número do Diapositivo 3">
+            <a:extLst>
+              <a:ext uri="{FF2B5EF4-FFF2-40B4-BE49-F238E27FC236}">
+                <a16:creationId xmlns:a16="http://schemas.microsoft.com/office/drawing/2014/main" id="{1D6158BA-8D0B-4C52-9952-51D361C7F3ED}"/>
+              </a:ext>
+            </a:extLst>
+          </p:cNvPr>
+          <p:cNvSpPr>
+            <a:spLocks noGrp="1"/>
+          </p:cNvSpPr>
+          <p:nvPr>
+            <p:ph type="sldNum" sz="quarter" idx="12"/>
+          </p:nvPr>
+        </p:nvSpPr>
+        <p:spPr>
+          <a:xfrm>
+            <a:off x="11163743" y="5945824"/>
+            <a:ext cx="642257" cy="365125"/>
+          </a:xfrm>
+        </p:spPr>
+        <p:txBody>
+          <a:bodyPr vert="horz" lIns="91440" tIns="45720" rIns="91440" bIns="45720" rtlCol="0" anchor="ctr">
+            <a:normAutofit/>
+          </a:bodyPr>
+          <a:lstStyle/>
+          <a:p>
+            <a:pPr>
+              <a:spcAft>
+                <a:spcPts val="600"/>
+              </a:spcAft>
+            </a:pPr>
+            <a:fld id="{98C0CDE5-970C-4CC4-BF43-0DA127E73E82}" type="slidenum">
+              <a:rPr lang="pt-PT" smtClean="0"/>
+              <a:pPr>
+                <a:spcAft>
+                  <a:spcPts val="600"/>
+                </a:spcAft>
+              </a:pPr>
+              <a:t>13</a:t>
+            </a:fld>
+            <a:endParaRPr lang="pt-PT"/>
+          </a:p>
+        </p:txBody>
+      </p:sp>
+      <p:sp>
+        <p:nvSpPr>
+          <p:cNvPr id="8" name="Título 1">
+            <a:extLst>
+              <a:ext uri="{FF2B5EF4-FFF2-40B4-BE49-F238E27FC236}">
+                <a16:creationId xmlns:a16="http://schemas.microsoft.com/office/drawing/2014/main" id="{AD8F97A6-C009-9A15-C775-4093D758E708}"/>
+              </a:ext>
+            </a:extLst>
+          </p:cNvPr>
+          <p:cNvSpPr txBox="1">
+            <a:spLocks/>
+          </p:cNvSpPr>
+          <p:nvPr/>
+        </p:nvSpPr>
+        <p:spPr>
+          <a:xfrm rot="21180000">
+            <a:off x="64407" y="435777"/>
+            <a:ext cx="4391191" cy="1325563"/>
+          </a:xfrm>
+          <a:prstGeom prst="rect">
+            <a:avLst/>
+          </a:prstGeom>
+        </p:spPr>
+        <p:txBody>
+          <a:bodyPr vert="horz" lIns="91440" tIns="45720" rIns="91440" bIns="45720" rtlCol="0" anchor="ctr" anchorCtr="0">
+            <a:normAutofit/>
+          </a:bodyPr>
+          <a:lstStyle>
+            <a:lvl1pPr algn="l" defTabSz="914400" rtl="0" eaLnBrk="1" latinLnBrk="0" hangingPunct="1">
+              <a:lnSpc>
+                <a:spcPct val="90000"/>
+              </a:lnSpc>
+              <a:spcBef>
+                <a:spcPct val="0"/>
+              </a:spcBef>
+              <a:buNone/>
+              <a:defRPr sz="2000" b="1" kern="1200">
+                <a:solidFill>
+                  <a:schemeClr val="bg1"/>
+                </a:solidFill>
+                <a:latin typeface="+mn-lt"/>
+                <a:ea typeface="+mj-ea"/>
+                <a:cs typeface="+mj-cs"/>
+              </a:defRPr>
+            </a:lvl1pPr>
+          </a:lstStyle>
+          <a:p>
+            <a:pPr>
+              <a:spcAft>
+                <a:spcPts val="600"/>
+              </a:spcAft>
+            </a:pPr>
+            <a:endParaRPr lang="pt-PT" sz="4000" b="1" kern="1200" dirty="0">
+              <a:latin typeface="+mj-lt"/>
+              <a:ea typeface="+mj-ea"/>
+              <a:cs typeface="+mj-cs"/>
+            </a:endParaRPr>
+          </a:p>
+        </p:txBody>
+      </p:sp>
+      <p:sp>
+        <p:nvSpPr>
+          <p:cNvPr id="13" name="TextBox 12">
+            <a:extLst>
+              <a:ext uri="{FF2B5EF4-FFF2-40B4-BE49-F238E27FC236}">
+                <a16:creationId xmlns:a16="http://schemas.microsoft.com/office/drawing/2014/main" id="{959942CE-1583-4645-BC20-4203D69C117F}"/>
+              </a:ext>
+            </a:extLst>
+          </p:cNvPr>
+          <p:cNvSpPr txBox="1"/>
+          <p:nvPr/>
+        </p:nvSpPr>
+        <p:spPr>
+          <a:xfrm>
+            <a:off x="1221357" y="1755007"/>
+            <a:ext cx="8179150" cy="646331"/>
+          </a:xfrm>
+          <a:prstGeom prst="rect">
+            <a:avLst/>
+          </a:prstGeom>
+          <a:noFill/>
+        </p:spPr>
+        <p:txBody>
+          <a:bodyPr wrap="square" rtlCol="0">
+            <a:spAutoFit/>
+          </a:bodyPr>
+          <a:lstStyle/>
+          <a:p>
+            <a:pPr rtl="0">
+              <a:spcBef>
+                <a:spcPts val="1200"/>
+              </a:spcBef>
+              <a:spcAft>
+                <a:spcPts val="1200"/>
+              </a:spcAft>
+            </a:pPr>
+            <a:br>
+              <a:rPr lang="pt-PT" dirty="0"/>
+            </a:br>
+            <a:endParaRPr lang="pt-PT" dirty="0"/>
+          </a:p>
+        </p:txBody>
+      </p:sp>
+      <p:sp>
+        <p:nvSpPr>
+          <p:cNvPr id="6" name="TextBox 5">
+            <a:extLst>
+              <a:ext uri="{FF2B5EF4-FFF2-40B4-BE49-F238E27FC236}">
+                <a16:creationId xmlns:a16="http://schemas.microsoft.com/office/drawing/2014/main" id="{42CD916E-6251-29FD-B1E0-295EACF1158E}"/>
+              </a:ext>
+            </a:extLst>
+          </p:cNvPr>
+          <p:cNvSpPr txBox="1"/>
+          <p:nvPr/>
+        </p:nvSpPr>
+        <p:spPr>
+          <a:xfrm rot="21186504">
+            <a:off x="162849" y="526805"/>
+            <a:ext cx="5124061" cy="707886"/>
+          </a:xfrm>
+          <a:prstGeom prst="rect">
+            <a:avLst/>
+          </a:prstGeom>
+          <a:noFill/>
+        </p:spPr>
+        <p:txBody>
+          <a:bodyPr wrap="square">
+            <a:spAutoFit/>
+          </a:bodyPr>
+          <a:lstStyle/>
+          <a:p>
+            <a:pPr>
+              <a:spcAft>
+                <a:spcPts val="600"/>
+              </a:spcAft>
+            </a:pPr>
+            <a:r>
+              <a:rPr lang="pt-PT" sz="4000" b="1" i="0" dirty="0">
+                <a:solidFill>
+                  <a:srgbClr val="0D0D0D"/>
+                </a:solidFill>
+                <a:effectLst/>
+                <a:latin typeface="Söhne"/>
+              </a:rPr>
+              <a:t>Fática na internet</a:t>
+            </a:r>
+            <a:endParaRPr lang="pt-PT" sz="3800" kern="1200" dirty="0">
+              <a:solidFill>
+                <a:schemeClr val="bg1"/>
+              </a:solidFill>
+              <a:latin typeface="+mj-lt"/>
+              <a:ea typeface="+mj-ea"/>
+              <a:cs typeface="+mj-cs"/>
+            </a:endParaRPr>
+          </a:p>
+        </p:txBody>
+      </p:sp>
+      <p:sp>
+        <p:nvSpPr>
+          <p:cNvPr id="9" name="TextBox 8">
+            <a:extLst>
+              <a:ext uri="{FF2B5EF4-FFF2-40B4-BE49-F238E27FC236}">
+                <a16:creationId xmlns:a16="http://schemas.microsoft.com/office/drawing/2014/main" id="{1BD2F5C7-72CC-2498-A913-D3629CF82F1C}"/>
+              </a:ext>
+            </a:extLst>
+          </p:cNvPr>
+          <p:cNvSpPr txBox="1"/>
+          <p:nvPr/>
+        </p:nvSpPr>
+        <p:spPr>
+          <a:xfrm>
+            <a:off x="1176381" y="2372763"/>
+            <a:ext cx="9839238" cy="1384995"/>
+          </a:xfrm>
+          <a:prstGeom prst="rect">
+            <a:avLst/>
+          </a:prstGeom>
+          <a:noFill/>
+        </p:spPr>
+        <p:txBody>
+          <a:bodyPr wrap="square">
+            <a:spAutoFit/>
+          </a:bodyPr>
+          <a:lstStyle/>
+          <a:p>
+            <a:pPr algn="l"/>
+            <a:r>
+              <a:rPr lang="pt-PT" sz="2800" b="0" i="0" dirty="0">
+                <a:solidFill>
+                  <a:srgbClr val="0D0D0D"/>
+                </a:solidFill>
+                <a:effectLst/>
+                <a:latin typeface="Söhne"/>
+              </a:rPr>
+              <a:t>Nas interações online, a fática não é menos importante. Emojis, likes e comentários podem preencher lacunas na ausência de pistas não verbais, ajudando a manter a conexão emocional.</a:t>
+            </a:r>
+            <a:endParaRPr lang="pt-PT" sz="2800" dirty="0">
+              <a:solidFill>
+                <a:srgbClr val="000000"/>
+              </a:solidFill>
+            </a:endParaRPr>
+          </a:p>
+        </p:txBody>
+      </p:sp>
+    </p:spTree>
+    <p:extLst>
+      <p:ext uri="{BB962C8B-B14F-4D97-AF65-F5344CB8AC3E}">
+        <p14:creationId xmlns:p14="http://schemas.microsoft.com/office/powerpoint/2010/main" val="408872736"/>
+      </p:ext>
+    </p:extLst>
+  </p:cSld>
+  <p:clrMapOvr>
+    <a:masterClrMapping/>
+  </p:clrMapOvr>
+</p:sld>
+</file>
+
 <file path=ppt/slides/slide2.xml><?xml version="1.0" encoding="utf-8"?>
 <p:sld xmlns:a="http://schemas.openxmlformats.org/drawingml/2006/main" xmlns:r="http://schemas.openxmlformats.org/officeDocument/2006/relationships" xmlns:p="http://schemas.openxmlformats.org/presentationml/2006/main">
   <p:cSld>
@@ -27236,19 +28653,26 @@
           <a:bodyPr rtlCol="0" anchor="ctr"/>
           <a:lstStyle/>
           <a:p>
-            <a:pPr algn="ctr"/>
+            <a:pPr rtl="0">
+              <a:spcBef>
+                <a:spcPts val="0"/>
+              </a:spcBef>
+              <a:spcAft>
+                <a:spcPts val="0"/>
+              </a:spcAft>
+            </a:pPr>
             <a:r>
-              <a:rPr lang="pt-PT" sz="2400" i="0" u="none" strike="noStrike" dirty="0">
+              <a:rPr lang="pt-PT" sz="2500" b="0" i="0" u="none" strike="noStrike" dirty="0">
                 <a:solidFill>
                   <a:srgbClr val="000000"/>
                 </a:solidFill>
                 <a:effectLst/>
-                <a:latin typeface="Arial Black" panose="020B0A04020102020204" pitchFamily="34" charset="0"/>
+                <a:latin typeface="Arial" panose="020B0604020202020204" pitchFamily="34" charset="0"/>
               </a:rPr>
               <a:t>A função fática da linguagem se concentra em manter e regular o canal de comunicação em si, em vez de transmitir informações específicas sobre o conteúdo da mensagem. Geralmente está ligada à abertura, fechamento ou manutenção de diálogos, além de verificar a compreensão mútua e promover um ambiente comunicativo, amigável e interativo.</a:t>
             </a:r>
-            <a:endParaRPr lang="pt-PT" sz="2400" dirty="0">
-              <a:latin typeface="Arial Black" panose="020B0A04020102020204" pitchFamily="34" charset="0"/>
+            <a:endParaRPr lang="pt-PT" sz="2500" b="0" dirty="0">
+              <a:effectLst/>
             </a:endParaRPr>
           </a:p>
         </p:txBody>
@@ -27267,6 +28691,425 @@
 </file>
 
 <file path=ppt/slides/slide3.xml><?xml version="1.0" encoding="utf-8"?>
+<p:sld xmlns:a="http://schemas.openxmlformats.org/drawingml/2006/main" xmlns:r="http://schemas.openxmlformats.org/officeDocument/2006/relationships" xmlns:p="http://schemas.openxmlformats.org/presentationml/2006/main">
+  <p:cSld>
+    <p:spTree>
+      <p:nvGrpSpPr>
+        <p:cNvPr id="1" name=""/>
+        <p:cNvGrpSpPr/>
+        <p:nvPr/>
+      </p:nvGrpSpPr>
+      <p:grpSpPr>
+        <a:xfrm>
+          <a:off x="0" y="0"/>
+          <a:ext cx="0" cy="0"/>
+          <a:chOff x="0" y="0"/>
+          <a:chExt cx="0" cy="0"/>
+        </a:xfrm>
+      </p:grpSpPr>
+      <p:sp>
+        <p:nvSpPr>
+          <p:cNvPr id="2" name="Text Placeholder 1">
+            <a:extLst>
+              <a:ext uri="{FF2B5EF4-FFF2-40B4-BE49-F238E27FC236}">
+                <a16:creationId xmlns:a16="http://schemas.microsoft.com/office/drawing/2014/main" id="{B54C5B83-5FDE-9CF2-FB18-B3FCC2EDA5AA}"/>
+              </a:ext>
+            </a:extLst>
+          </p:cNvPr>
+          <p:cNvSpPr>
+            <a:spLocks noGrp="1"/>
+          </p:cNvSpPr>
+          <p:nvPr>
+            <p:ph type="body" idx="1"/>
+          </p:nvPr>
+        </p:nvSpPr>
+        <p:spPr/>
+        <p:txBody>
+          <a:bodyPr/>
+          <a:lstStyle/>
+          <a:p>
+            <a:endParaRPr lang="pt-PT" dirty="0"/>
+          </a:p>
+        </p:txBody>
+      </p:sp>
+      <p:sp>
+        <p:nvSpPr>
+          <p:cNvPr id="3" name="Footer Placeholder 2">
+            <a:extLst>
+              <a:ext uri="{FF2B5EF4-FFF2-40B4-BE49-F238E27FC236}">
+                <a16:creationId xmlns:a16="http://schemas.microsoft.com/office/drawing/2014/main" id="{C90597F8-19F5-5FCD-0059-1112F7CA1895}"/>
+              </a:ext>
+            </a:extLst>
+          </p:cNvPr>
+          <p:cNvSpPr>
+            <a:spLocks noGrp="1"/>
+          </p:cNvSpPr>
+          <p:nvPr>
+            <p:ph type="ftr" sz="quarter" idx="11"/>
+          </p:nvPr>
+        </p:nvSpPr>
+        <p:spPr/>
+        <p:txBody>
+          <a:bodyPr/>
+          <a:lstStyle/>
+          <a:p>
+            <a:pPr rtl="0"/>
+            <a:r>
+              <a:rPr lang="pt-PT" noProof="0"/>
+              <a:t>ADICIONE UM RODAPÉ</a:t>
+            </a:r>
+          </a:p>
+        </p:txBody>
+      </p:sp>
+      <p:sp>
+        <p:nvSpPr>
+          <p:cNvPr id="4" name="Slide Number Placeholder 3">
+            <a:extLst>
+              <a:ext uri="{FF2B5EF4-FFF2-40B4-BE49-F238E27FC236}">
+                <a16:creationId xmlns:a16="http://schemas.microsoft.com/office/drawing/2014/main" id="{91F2632C-8D23-38FD-116A-6D3001139491}"/>
+              </a:ext>
+            </a:extLst>
+          </p:cNvPr>
+          <p:cNvSpPr>
+            <a:spLocks noGrp="1"/>
+          </p:cNvSpPr>
+          <p:nvPr>
+            <p:ph type="sldNum" sz="quarter" idx="12"/>
+          </p:nvPr>
+        </p:nvSpPr>
+        <p:spPr/>
+        <p:txBody>
+          <a:bodyPr/>
+          <a:lstStyle/>
+          <a:p>
+            <a:pPr rtl="0"/>
+            <a:fld id="{98C0CDE5-970C-4CC4-BF43-0DA127E73E82}" type="slidenum">
+              <a:rPr lang="pt-PT" noProof="0" smtClean="0"/>
+              <a:t>3</a:t>
+            </a:fld>
+            <a:endParaRPr lang="pt-PT" noProof="0"/>
+          </a:p>
+        </p:txBody>
+      </p:sp>
+      <p:sp>
+        <p:nvSpPr>
+          <p:cNvPr id="5" name="Title 4">
+            <a:extLst>
+              <a:ext uri="{FF2B5EF4-FFF2-40B4-BE49-F238E27FC236}">
+                <a16:creationId xmlns:a16="http://schemas.microsoft.com/office/drawing/2014/main" id="{C7EE8314-1F73-19E9-B64D-F7B42632C4F9}"/>
+              </a:ext>
+            </a:extLst>
+          </p:cNvPr>
+          <p:cNvSpPr>
+            <a:spLocks noGrp="1"/>
+          </p:cNvSpPr>
+          <p:nvPr>
+            <p:ph type="title"/>
+          </p:nvPr>
+        </p:nvSpPr>
+        <p:spPr/>
+        <p:txBody>
+          <a:bodyPr/>
+          <a:lstStyle/>
+          <a:p>
+            <a:r>
+              <a:rPr lang="pt-BR"/>
+              <a:t>‘</a:t>
+            </a:r>
+            <a:endParaRPr lang="pt-PT" dirty="0"/>
+          </a:p>
+        </p:txBody>
+      </p:sp>
+      <p:sp>
+        <p:nvSpPr>
+          <p:cNvPr id="6" name="Text Placeholder 5">
+            <a:extLst>
+              <a:ext uri="{FF2B5EF4-FFF2-40B4-BE49-F238E27FC236}">
+                <a16:creationId xmlns:a16="http://schemas.microsoft.com/office/drawing/2014/main" id="{B631A040-9EA6-95A4-5257-39399CC0ECA2}"/>
+              </a:ext>
+            </a:extLst>
+          </p:cNvPr>
+          <p:cNvSpPr>
+            <a:spLocks noGrp="1"/>
+          </p:cNvSpPr>
+          <p:nvPr>
+            <p:ph type="body" sz="quarter" idx="13"/>
+          </p:nvPr>
+        </p:nvSpPr>
+        <p:spPr/>
+        <p:txBody>
+          <a:bodyPr/>
+          <a:lstStyle/>
+          <a:p>
+            <a:endParaRPr lang="pt-PT"/>
+          </a:p>
+        </p:txBody>
+      </p:sp>
+      <p:sp>
+        <p:nvSpPr>
+          <p:cNvPr id="7" name="Picture Placeholder 6">
+            <a:extLst>
+              <a:ext uri="{FF2B5EF4-FFF2-40B4-BE49-F238E27FC236}">
+                <a16:creationId xmlns:a16="http://schemas.microsoft.com/office/drawing/2014/main" id="{FC68562D-6611-DCB3-6391-806E911F1673}"/>
+              </a:ext>
+            </a:extLst>
+          </p:cNvPr>
+          <p:cNvSpPr>
+            <a:spLocks noGrp="1"/>
+          </p:cNvSpPr>
+          <p:nvPr>
+            <p:ph type="pic" sz="quarter" idx="14"/>
+          </p:nvPr>
+        </p:nvSpPr>
+        <p:spPr/>
+      </p:sp>
+      <p:sp>
+        <p:nvSpPr>
+          <p:cNvPr id="8" name="Rectangle 7">
+            <a:extLst>
+              <a:ext uri="{FF2B5EF4-FFF2-40B4-BE49-F238E27FC236}">
+                <a16:creationId xmlns:a16="http://schemas.microsoft.com/office/drawing/2014/main" id="{4B157D90-D683-FFCA-59B9-9D0F8ACB8C2F}"/>
+              </a:ext>
+            </a:extLst>
+          </p:cNvPr>
+          <p:cNvSpPr/>
+          <p:nvPr/>
+        </p:nvSpPr>
+        <p:spPr>
+          <a:xfrm>
+            <a:off x="-68898" y="0"/>
+            <a:ext cx="12260897" cy="6858000"/>
+          </a:xfrm>
+          <a:prstGeom prst="rect">
+            <a:avLst/>
+          </a:prstGeom>
+          <a:solidFill>
+            <a:schemeClr val="bg1"/>
+          </a:solidFill>
+          <a:ln>
+            <a:noFill/>
+          </a:ln>
+        </p:spPr>
+        <p:style>
+          <a:lnRef idx="2">
+            <a:schemeClr val="accent1">
+              <a:shade val="50000"/>
+            </a:schemeClr>
+          </a:lnRef>
+          <a:fillRef idx="1">
+            <a:schemeClr val="accent1"/>
+          </a:fillRef>
+          <a:effectRef idx="0">
+            <a:schemeClr val="accent1"/>
+          </a:effectRef>
+          <a:fontRef idx="minor">
+            <a:schemeClr val="lt1"/>
+          </a:fontRef>
+        </p:style>
+        <p:txBody>
+          <a:bodyPr rtlCol="0" anchor="ctr"/>
+          <a:lstStyle/>
+          <a:p>
+            <a:pPr algn="ctr"/>
+            <a:endParaRPr lang="pt-PT"/>
+          </a:p>
+        </p:txBody>
+      </p:sp>
+      <p:sp>
+        <p:nvSpPr>
+          <p:cNvPr id="9" name="Rectangle: Rounded Corners 8">
+            <a:extLst>
+              <a:ext uri="{FF2B5EF4-FFF2-40B4-BE49-F238E27FC236}">
+                <a16:creationId xmlns:a16="http://schemas.microsoft.com/office/drawing/2014/main" id="{AC2D7358-708B-E3A2-37F1-664019B1D03D}"/>
+              </a:ext>
+            </a:extLst>
+          </p:cNvPr>
+          <p:cNvSpPr/>
+          <p:nvPr/>
+        </p:nvSpPr>
+        <p:spPr>
+          <a:xfrm>
+            <a:off x="1732522" y="1015447"/>
+            <a:ext cx="8267177" cy="4930377"/>
+          </a:xfrm>
+          <a:prstGeom prst="roundRect">
+            <a:avLst/>
+          </a:prstGeom>
+          <a:solidFill>
+            <a:srgbClr val="EE8E00"/>
+          </a:solidFill>
+          <a:ln>
+            <a:noFill/>
+          </a:ln>
+        </p:spPr>
+        <p:style>
+          <a:lnRef idx="2">
+            <a:schemeClr val="accent1">
+              <a:shade val="50000"/>
+            </a:schemeClr>
+          </a:lnRef>
+          <a:fillRef idx="1">
+            <a:schemeClr val="accent1"/>
+          </a:fillRef>
+          <a:effectRef idx="0">
+            <a:schemeClr val="accent1"/>
+          </a:effectRef>
+          <a:fontRef idx="minor">
+            <a:schemeClr val="lt1"/>
+          </a:fontRef>
+        </p:style>
+        <p:txBody>
+          <a:bodyPr rtlCol="0" anchor="ctr"/>
+          <a:lstStyle/>
+          <a:p>
+            <a:pPr rtl="0">
+              <a:spcBef>
+                <a:spcPts val="0"/>
+              </a:spcBef>
+              <a:spcAft>
+                <a:spcPts val="0"/>
+              </a:spcAft>
+            </a:pPr>
+            <a:r>
+              <a:rPr lang="pt-PT" sz="1800" b="0" i="0" u="none" strike="noStrike" dirty="0">
+                <a:solidFill>
+                  <a:srgbClr val="000000"/>
+                </a:solidFill>
+                <a:effectLst/>
+                <a:latin typeface="Arial" panose="020B0604020202020204" pitchFamily="34" charset="0"/>
+              </a:rPr>
+              <a:t>"</a:t>
+            </a:r>
+            <a:r>
+              <a:rPr lang="pt-PT" sz="2500" b="0" i="0" u="none" strike="noStrike" dirty="0">
+                <a:solidFill>
+                  <a:srgbClr val="000000"/>
+                </a:solidFill>
+                <a:effectLst/>
+                <a:latin typeface="Arial" panose="020B0604020202020204" pitchFamily="34" charset="0"/>
+              </a:rPr>
+              <a:t>Oi, tudo bem?"</a:t>
+            </a:r>
+            <a:endParaRPr lang="pt-PT" sz="2500" b="0" dirty="0">
+              <a:effectLst/>
+            </a:endParaRPr>
+          </a:p>
+          <a:p>
+            <a:pPr rtl="0">
+              <a:spcBef>
+                <a:spcPts val="0"/>
+              </a:spcBef>
+              <a:spcAft>
+                <a:spcPts val="0"/>
+              </a:spcAft>
+            </a:pPr>
+            <a:r>
+              <a:rPr lang="pt-PT" sz="2500" b="0" i="0" u="none" strike="noStrike" dirty="0">
+                <a:solidFill>
+                  <a:srgbClr val="000000"/>
+                </a:solidFill>
+                <a:effectLst/>
+                <a:latin typeface="Arial" panose="020B0604020202020204" pitchFamily="34" charset="0"/>
+              </a:rPr>
+              <a:t>"Você me escuta?"</a:t>
+            </a:r>
+            <a:endParaRPr lang="pt-PT" sz="2500" b="0" dirty="0">
+              <a:effectLst/>
+            </a:endParaRPr>
+          </a:p>
+          <a:p>
+            <a:pPr rtl="0">
+              <a:spcBef>
+                <a:spcPts val="0"/>
+              </a:spcBef>
+              <a:spcAft>
+                <a:spcPts val="0"/>
+              </a:spcAft>
+            </a:pPr>
+            <a:r>
+              <a:rPr lang="pt-PT" sz="2500" b="0" i="0" u="none" strike="noStrike" dirty="0">
+                <a:solidFill>
+                  <a:srgbClr val="000000"/>
+                </a:solidFill>
+                <a:effectLst/>
+                <a:latin typeface="Arial" panose="020B0604020202020204" pitchFamily="34" charset="0"/>
+              </a:rPr>
+              <a:t>"Estou aqui."</a:t>
+            </a:r>
+            <a:endParaRPr lang="pt-PT" sz="2500" b="0" dirty="0">
+              <a:effectLst/>
+            </a:endParaRPr>
+          </a:p>
+          <a:p>
+            <a:pPr rtl="0">
+              <a:spcBef>
+                <a:spcPts val="0"/>
+              </a:spcBef>
+              <a:spcAft>
+                <a:spcPts val="0"/>
+              </a:spcAft>
+            </a:pPr>
+            <a:r>
+              <a:rPr lang="pt-PT" sz="2500" b="0" i="0" u="none" strike="noStrike" dirty="0">
+                <a:solidFill>
+                  <a:srgbClr val="000000"/>
+                </a:solidFill>
+                <a:effectLst/>
+                <a:latin typeface="Arial" panose="020B0604020202020204" pitchFamily="34" charset="0"/>
+              </a:rPr>
+              <a:t>"Como vai você?"</a:t>
+            </a:r>
+            <a:endParaRPr lang="pt-PT" sz="2500" b="0" dirty="0">
+              <a:effectLst/>
+            </a:endParaRPr>
+          </a:p>
+          <a:p>
+            <a:pPr rtl="0">
+              <a:spcBef>
+                <a:spcPts val="0"/>
+              </a:spcBef>
+              <a:spcAft>
+                <a:spcPts val="0"/>
+              </a:spcAft>
+            </a:pPr>
+            <a:r>
+              <a:rPr lang="pt-PT" sz="2500" b="0" i="0" u="none" strike="noStrike" dirty="0">
+                <a:solidFill>
+                  <a:srgbClr val="000000"/>
+                </a:solidFill>
+                <a:effectLst/>
+                <a:latin typeface="Arial" panose="020B0604020202020204" pitchFamily="34" charset="0"/>
+              </a:rPr>
+              <a:t>Essas expressões não têm a intenção de transmitir informações precisas, mas são utilizadas para iniciar, manter ou encerrar interações sociais, garantindo a conexão entre os participantes e criando uma atmosfera amigável.</a:t>
+            </a:r>
+            <a:endParaRPr lang="pt-PT" sz="2500" b="0" dirty="0">
+              <a:effectLst/>
+            </a:endParaRPr>
+          </a:p>
+          <a:p>
+            <a:br>
+              <a:rPr lang="pt-PT" sz="2500" dirty="0"/>
+            </a:br>
+            <a:endParaRPr lang="pt-PT" sz="2500" b="0" dirty="0">
+              <a:effectLst/>
+            </a:endParaRPr>
+          </a:p>
+        </p:txBody>
+      </p:sp>
+    </p:spTree>
+    <p:extLst>
+      <p:ext uri="{BB962C8B-B14F-4D97-AF65-F5344CB8AC3E}">
+        <p14:creationId xmlns:p14="http://schemas.microsoft.com/office/powerpoint/2010/main" val="1795207337"/>
+      </p:ext>
+    </p:extLst>
+  </p:cSld>
+  <p:clrMapOvr>
+    <a:masterClrMapping/>
+  </p:clrMapOvr>
+</p:sld>
+</file>
+
+<file path=ppt/slides/slide4.xml><?xml version="1.0" encoding="utf-8"?>
 <p:sld xmlns:a="http://schemas.openxmlformats.org/drawingml/2006/main" xmlns:r="http://schemas.openxmlformats.org/officeDocument/2006/relationships" xmlns:p="http://schemas.openxmlformats.org/presentationml/2006/main">
   <p:cSld>
     <p:spTree>
@@ -27323,7 +29166,7 @@
                   <a:spcPts val="600"/>
                 </a:spcAft>
               </a:pPr>
-              <a:t>3</a:t>
+              <a:t>4</a:t>
             </a:fld>
             <a:endParaRPr lang="pt-PT" noProof="0"/>
           </a:p>
@@ -27399,7 +29242,7 @@
         </p:spPr>
         <p:txBody>
           <a:bodyPr rtlCol="0" anchor="ctr">
-            <a:normAutofit/>
+            <a:normAutofit fontScale="92500" lnSpcReduction="10000"/>
           </a:bodyPr>
           <a:lstStyle/>
           <a:p>
@@ -27413,18 +29256,12 @@
               <a:buNone/>
             </a:pPr>
             <a:r>
-              <a:rPr lang="pt-PT" dirty="0"/>
-              <a:t>E</a:t>
+              <a:rPr lang="pt-PT" b="0" i="0" dirty="0">
+                <a:effectLst/>
+                <a:latin typeface="Söhne"/>
+              </a:rPr>
+              <a:t>Saudações: 'Olá!', 'Tudo bem?', 'Como vai você?’</a:t>
             </a:r>
-            <a:r>
-              <a:rPr lang="pt-PT" b="0" i="0" u="none" strike="noStrike" dirty="0">
-                <a:effectLst/>
-              </a:rPr>
-              <a:t>xpressões ou frases que desempenham a função fática incluem:</a:t>
-            </a:r>
-            <a:endParaRPr lang="pt-PT" b="0" dirty="0">
-              <a:effectLst/>
-            </a:endParaRPr>
           </a:p>
           <a:p>
             <a:pPr marL="0" indent="0" rtl="0">
@@ -27436,19 +29273,9 @@
               </a:spcAft>
               <a:buNone/>
             </a:pPr>
-            <a:br>
-              <a:rPr lang="pt-PT" b="0" dirty="0">
-                <a:effectLst/>
-              </a:rPr>
-            </a:br>
-            <a:r>
-              <a:rPr lang="pt-PT" b="0" i="0" u="none" strike="noStrike" dirty="0">
-                <a:effectLst/>
-              </a:rPr>
-              <a:t>"Oi, tudo bem?"</a:t>
-            </a:r>
-            <a:endParaRPr lang="pt-PT" b="0" dirty="0">
+            <a:endParaRPr lang="pt-PT" b="0" i="0" dirty="0">
               <a:effectLst/>
+              <a:latin typeface="Söhne"/>
             </a:endParaRPr>
           </a:p>
           <a:p>
@@ -27462,13 +29289,32 @@
               <a:buNone/>
             </a:pPr>
             <a:r>
-              <a:rPr lang="pt-PT" b="0" i="0" u="none" strike="noStrike" dirty="0">
+              <a:rPr lang="pt-PT" dirty="0">
+                <a:latin typeface="Söhne"/>
+              </a:rPr>
+              <a:t>E</a:t>
+            </a:r>
+            <a:r>
+              <a:rPr lang="pt-PT" b="0" i="0" dirty="0">
                 <a:effectLst/>
+                <a:latin typeface="Söhne"/>
               </a:rPr>
-              <a:t>"Você me escuta?"</a:t>
+              <a:t>ssas expressões não são apenas cumprimentos; elas estabelecem a comunicação e abrem espaço para interações significativas.</a:t>
             </a:r>
-            <a:endParaRPr lang="pt-PT" b="0" dirty="0">
+          </a:p>
+          <a:p>
+            <a:pPr marL="0" indent="0" rtl="0">
+              <a:spcBef>
+                <a:spcPts val="0"/>
+              </a:spcBef>
+              <a:spcAft>
+                <a:spcPts val="0"/>
+              </a:spcAft>
+              <a:buNone/>
+            </a:pPr>
+            <a:endParaRPr lang="pt-PT" b="0" i="0" dirty="0">
               <a:effectLst/>
+              <a:latin typeface="Söhne"/>
             </a:endParaRPr>
           </a:p>
           <a:p>
@@ -27482,39 +29328,12 @@
               <a:buNone/>
             </a:pPr>
             <a:r>
-              <a:rPr lang="pt-PT" b="0" i="0" u="none" strike="noStrike" dirty="0">
+              <a:rPr lang="pt-PT" b="0" i="0" dirty="0">
                 <a:effectLst/>
+                <a:latin typeface="Söhne"/>
               </a:rPr>
-              <a:t>"Estou aqui."</a:t>
+              <a:t>Expressões Faciais: Sorrisos, acenos e contato visual são formas poderosas de comunicação fática, transmitindo simpatia e interesse</a:t>
             </a:r>
-            <a:endParaRPr lang="pt-PT" b="0" dirty="0">
-              <a:effectLst/>
-            </a:endParaRPr>
-          </a:p>
-          <a:p>
-            <a:pPr marL="0" indent="0" rtl="0">
-              <a:spcBef>
-                <a:spcPts val="0"/>
-              </a:spcBef>
-              <a:spcAft>
-                <a:spcPts val="0"/>
-              </a:spcAft>
-              <a:buNone/>
-            </a:pPr>
-            <a:r>
-              <a:rPr lang="pt-PT" b="0" i="0" u="none" strike="noStrike" dirty="0">
-                <a:effectLst/>
-              </a:rPr>
-              <a:t>"Como vai você?"</a:t>
-            </a:r>
-            <a:endParaRPr lang="pt-PT" b="0" dirty="0">
-              <a:effectLst/>
-            </a:endParaRPr>
-          </a:p>
-          <a:p>
-            <a:pPr marL="0" indent="0">
-              <a:buNone/>
-            </a:pPr>
             <a:br>
               <a:rPr lang="pt-PT" dirty="0"/>
             </a:br>
@@ -27572,7 +29391,7 @@
 </p:sld>
 </file>
 
-<file path=ppt/slides/slide4.xml><?xml version="1.0" encoding="utf-8"?>
+<file path=ppt/slides/slide5.xml><?xml version="1.0" encoding="utf-8"?>
 <p:sld xmlns:a="http://schemas.openxmlformats.org/drawingml/2006/main" xmlns:r="http://schemas.openxmlformats.org/officeDocument/2006/relationships" xmlns:p="http://schemas.openxmlformats.org/presentationml/2006/main">
   <p:cSld>
     <p:spTree>
@@ -27629,7 +29448,7 @@
                   <a:spcPts val="600"/>
                 </a:spcAft>
               </a:pPr>
-              <a:t>4</a:t>
+              <a:t>5</a:t>
             </a:fld>
             <a:endParaRPr lang="pt-PT"/>
           </a:p>
@@ -27663,7 +29482,7 @@
         </p:blipFill>
         <p:spPr bwMode="auto">
           <a:xfrm>
-            <a:off x="771525" y="2315194"/>
+            <a:off x="819150" y="2384036"/>
             <a:ext cx="5181600" cy="1930146"/>
           </a:xfrm>
           <a:prstGeom prst="rect">
@@ -27754,235 +29573,41 @@
           </a:p>
         </p:txBody>
       </p:sp>
-    </p:spTree>
-    <p:extLst>
-      <p:ext uri="{BB962C8B-B14F-4D97-AF65-F5344CB8AC3E}">
-        <p14:creationId xmlns:p14="http://schemas.microsoft.com/office/powerpoint/2010/main" val="3940199599"/>
-      </p:ext>
-    </p:extLst>
-  </p:cSld>
-  <p:clrMapOvr>
-    <a:masterClrMapping/>
-  </p:clrMapOvr>
-</p:sld>
-</file>
-
-<file path=ppt/slides/slide5.xml><?xml version="1.0" encoding="utf-8"?>
-<p:sld xmlns:a="http://schemas.openxmlformats.org/drawingml/2006/main" xmlns:r="http://schemas.openxmlformats.org/officeDocument/2006/relationships" xmlns:p="http://schemas.openxmlformats.org/presentationml/2006/main">
-  <p:cSld>
-    <p:spTree>
-      <p:nvGrpSpPr>
-        <p:cNvPr id="1" name=""/>
-        <p:cNvGrpSpPr/>
-        <p:nvPr/>
-      </p:nvGrpSpPr>
-      <p:grpSpPr>
-        <a:xfrm>
-          <a:off x="0" y="0"/>
-          <a:ext cx="0" cy="0"/>
-          <a:chOff x="0" y="0"/>
-          <a:chExt cx="0" cy="0"/>
-        </a:xfrm>
-      </p:grpSpPr>
       <p:sp>
         <p:nvSpPr>
-          <p:cNvPr id="2" name="Marcador de Posição do Rodapé 1">
+          <p:cNvPr id="4" name="TextBox 3">
             <a:extLst>
               <a:ext uri="{FF2B5EF4-FFF2-40B4-BE49-F238E27FC236}">
-                <a16:creationId xmlns:a16="http://schemas.microsoft.com/office/drawing/2014/main" id="{A39B2A57-9893-4BCD-AA1A-122310BC6253}"/>
+                <a16:creationId xmlns:a16="http://schemas.microsoft.com/office/drawing/2014/main" id="{8FC8D895-9B08-C628-D0F1-8540D854CDDF}"/>
               </a:ext>
             </a:extLst>
           </p:cNvPr>
-          <p:cNvSpPr>
-            <a:spLocks noGrp="1"/>
-          </p:cNvSpPr>
-          <p:nvPr>
-            <p:ph type="ftr" sz="quarter" idx="11"/>
-          </p:nvPr>
+          <p:cNvSpPr txBox="1"/>
+          <p:nvPr/>
         </p:nvSpPr>
         <p:spPr>
-          <a:xfrm>
-            <a:off x="911225" y="5945824"/>
-            <a:ext cx="2639323" cy="365125"/>
-          </a:xfrm>
-        </p:spPr>
-        <p:txBody>
-          <a:bodyPr rtlCol="0" anchor="ctr">
-            <a:normAutofit/>
-          </a:bodyPr>
-          <a:lstStyle/>
-          <a:p>
-            <a:pPr rtl="0">
-              <a:spcAft>
-                <a:spcPts val="600"/>
-              </a:spcAft>
-            </a:pPr>
-            <a:r>
-              <a:rPr lang="pt-PT"/>
-              <a:t>ADICIONE UM RODAPÉ</a:t>
-            </a:r>
-          </a:p>
-        </p:txBody>
-      </p:sp>
-      <p:sp>
-        <p:nvSpPr>
-          <p:cNvPr id="3" name="Marcador de Posição do Número do Diapositivo 2">
-            <a:extLst>
-              <a:ext uri="{FF2B5EF4-FFF2-40B4-BE49-F238E27FC236}">
-                <a16:creationId xmlns:a16="http://schemas.microsoft.com/office/drawing/2014/main" id="{87725C8C-B6FF-4BEE-B7F0-3DFD7C2734C8}"/>
-              </a:ext>
-            </a:extLst>
-          </p:cNvPr>
-          <p:cNvSpPr>
-            <a:spLocks noGrp="1"/>
-          </p:cNvSpPr>
-          <p:nvPr>
-            <p:ph type="sldNum" sz="quarter" idx="12"/>
-          </p:nvPr>
-        </p:nvSpPr>
-        <p:spPr>
-          <a:xfrm>
-            <a:off x="11163743" y="5945824"/>
-            <a:ext cx="642257" cy="365125"/>
-          </a:xfrm>
-        </p:spPr>
-        <p:txBody>
-          <a:bodyPr rtlCol="0" anchor="ctr">
-            <a:normAutofit/>
-          </a:bodyPr>
-          <a:lstStyle/>
-          <a:p>
-            <a:pPr rtl="0">
-              <a:spcAft>
-                <a:spcPts val="600"/>
-              </a:spcAft>
-            </a:pPr>
-            <a:fld id="{98C0CDE5-970C-4CC4-BF43-0DA127E73E82}" type="slidenum">
-              <a:rPr lang="pt-PT" smtClean="0"/>
-              <a:pPr rtl="0">
-                <a:spcAft>
-                  <a:spcPts val="600"/>
-                </a:spcAft>
-              </a:pPr>
-              <a:t>5</a:t>
-            </a:fld>
-            <a:endParaRPr lang="pt-PT"/>
-          </a:p>
-        </p:txBody>
-      </p:sp>
-      <p:pic>
-        <p:nvPicPr>
-          <p:cNvPr id="3074" name="Picture 2" descr="Charge - 29/07/2016 ">
-            <a:extLst>
-              <a:ext uri="{FF2B5EF4-FFF2-40B4-BE49-F238E27FC236}">
-                <a16:creationId xmlns:a16="http://schemas.microsoft.com/office/drawing/2014/main" id="{8505DBDF-5EAA-1696-9DE2-9EFAE624B3C4}"/>
-              </a:ext>
-            </a:extLst>
-          </p:cNvPr>
-          <p:cNvPicPr>
-            <a:picLocks noChangeAspect="1" noChangeArrowheads="1"/>
-          </p:cNvPicPr>
-          <p:nvPr/>
-        </p:nvPicPr>
-        <p:blipFill>
-          <a:blip r:embed="rId3">
-            <a:extLst>
-              <a:ext uri="{28A0092B-C50C-407E-A947-70E740481C1C}">
-                <a14:useLocalDpi xmlns:a14="http://schemas.microsoft.com/office/drawing/2010/main" val="0"/>
-              </a:ext>
-            </a:extLst>
-          </a:blip>
-          <a:stretch>
-            <a:fillRect/>
-          </a:stretch>
-        </p:blipFill>
-        <p:spPr bwMode="auto">
-          <a:xfrm>
-            <a:off x="5180012" y="2363485"/>
-            <a:ext cx="6172200" cy="2299144"/>
+          <a:xfrm rot="21121740">
+            <a:off x="21383" y="560055"/>
+            <a:ext cx="5734050" cy="707886"/>
           </a:xfrm>
           <a:prstGeom prst="rect">
             <a:avLst/>
           </a:prstGeom>
-          <a:solidFill>
-            <a:srgbClr val="FFFFFF"/>
-          </a:solidFill>
-        </p:spPr>
-      </p:pic>
-      <p:sp>
-        <p:nvSpPr>
-          <p:cNvPr id="4" name="Marcador de Posição do Texto 3">
-            <a:extLst>
-              <a:ext uri="{FF2B5EF4-FFF2-40B4-BE49-F238E27FC236}">
-                <a16:creationId xmlns:a16="http://schemas.microsoft.com/office/drawing/2014/main" id="{1C507F06-C190-4897-A2E9-0AA8E6684053}"/>
-              </a:ext>
-            </a:extLst>
-          </p:cNvPr>
-          <p:cNvSpPr>
-            <a:spLocks noGrp="1"/>
-          </p:cNvSpPr>
-          <p:nvPr>
-            <p:ph type="body" sz="half" idx="2"/>
-          </p:nvPr>
-        </p:nvSpPr>
-        <p:spPr>
-          <a:xfrm>
-            <a:off x="839788" y="2806262"/>
-            <a:ext cx="3932237" cy="2872065"/>
-          </a:xfrm>
+          <a:noFill/>
         </p:spPr>
         <p:txBody>
-          <a:bodyPr rtlCol="0" anchor="ctr">
-            <a:normAutofit/>
+          <a:bodyPr wrap="square">
+            <a:spAutoFit/>
           </a:bodyPr>
           <a:lstStyle/>
           <a:p>
-            <a:pPr rtl="0"/>
             <a:r>
-              <a:rPr lang="pt-PT"/>
-              <a:t>LOREM IPSUM DOLOR SIT AMET, CONSECTETUER ADIPISCING ELIT.</a:t>
-            </a:r>
-            <a:br>
-              <a:rPr lang="pt-PT"/>
-            </a:br>
-            <a:r>
-              <a:rPr lang="pt-PT"/>
-              <a:t>MAECENAS PORTTITOR CONGUE MASSA</a:t>
-            </a:r>
-          </a:p>
-        </p:txBody>
-      </p:sp>
-      <p:sp>
-        <p:nvSpPr>
-          <p:cNvPr id="5" name="Título 4">
-            <a:extLst>
-              <a:ext uri="{FF2B5EF4-FFF2-40B4-BE49-F238E27FC236}">
-                <a16:creationId xmlns:a16="http://schemas.microsoft.com/office/drawing/2014/main" id="{AFCA1C1A-BC0A-4E81-82F8-5ACE20F863F6}"/>
-              </a:ext>
-            </a:extLst>
-          </p:cNvPr>
-          <p:cNvSpPr>
-            <a:spLocks noGrp="1"/>
-          </p:cNvSpPr>
-          <p:nvPr>
-            <p:ph type="title"/>
-          </p:nvPr>
-        </p:nvSpPr>
-        <p:spPr>
-          <a:xfrm rot="21227985">
-            <a:off x="857494" y="721373"/>
-            <a:ext cx="3918639" cy="1325563"/>
-          </a:xfrm>
-        </p:spPr>
-        <p:txBody>
-          <a:bodyPr rtlCol="0" anchor="ctr">
-            <a:normAutofit/>
-          </a:bodyPr>
-          <a:lstStyle/>
-          <a:p>
-            <a:pPr rtl="0"/>
-            <a:r>
-              <a:rPr lang="pt-PT"/>
+              <a:rPr lang="pt-PT" sz="4000" dirty="0">
+                <a:solidFill>
+                  <a:schemeClr val="bg1"/>
+                </a:solidFill>
+                <a:latin typeface="+mj-lt"/>
+              </a:rPr>
               <a:t>Panorama Geral</a:t>
             </a:r>
           </a:p>
@@ -27991,7 +29616,7 @@
     </p:spTree>
     <p:extLst>
       <p:ext uri="{BB962C8B-B14F-4D97-AF65-F5344CB8AC3E}">
-        <p14:creationId xmlns:p14="http://schemas.microsoft.com/office/powerpoint/2010/main" val="2532577142"/>
+        <p14:creationId xmlns:p14="http://schemas.microsoft.com/office/powerpoint/2010/main" val="3940199599"/>
       </p:ext>
     </p:extLst>
   </p:cSld>
@@ -28155,12 +29780,12 @@
               </a:spcAft>
             </a:pPr>
             <a:r>
-              <a:rPr lang="pt-PT" sz="4000" b="1" kern="1200">
+              <a:rPr lang="pt-PT" sz="4000" b="1" kern="1200" dirty="0">
                 <a:latin typeface="+mj-lt"/>
                 <a:ea typeface="+mj-ea"/>
                 <a:cs typeface="+mj-cs"/>
               </a:rPr>
-              <a:t>Objetivo:</a:t>
+              <a:t>Objetivo: </a:t>
             </a:r>
           </a:p>
         </p:txBody>
@@ -28179,8 +29804,8 @@
         </p:nvSpPr>
         <p:spPr>
           <a:xfrm>
-            <a:off x="2732690" y="2265680"/>
-            <a:ext cx="8179150" cy="2739211"/>
+            <a:off x="2268986" y="2019300"/>
+            <a:ext cx="8378190" cy="2308324"/>
           </a:xfrm>
           <a:prstGeom prst="rect">
             <a:avLst/>
@@ -28202,24 +29827,29 @@
               </a:spcAft>
             </a:pPr>
             <a:r>
-              <a:rPr lang="pt-PT" sz="1800" b="0" i="0" u="none" strike="noStrike" dirty="0">
+              <a:rPr lang="pt-PT" sz="1800" i="0" u="none" strike="noStrike" dirty="0">
+                <a:ln w="0"/>
                 <a:solidFill>
                   <a:srgbClr val="000000"/>
                 </a:solidFill>
-                <a:effectLst/>
                 <a:latin typeface="Arial" panose="020B0604020202020204" pitchFamily="34" charset="0"/>
               </a:rPr>
-              <a:t>O objetivo principal da função fática da linguagem é manter, regular e facilitar a comunicação entre os interlocutores. Não está focada em transmitir informações específicas, mas em estabelecer e manter um canal de comunicação aberto e fluente.Ele é alcançado por meio de expressões fáticas -por exemplo, cumprimentos, verificando perguntas, e outras formas em que a comunicação é eficiente e eles levam. Durante uma interação verbal, elas ajudam a criar um ambiente amigável e interativo.</a:t>
+              <a:t>O objetivo principal da função fática da linguagem é manter, regular e facilitar a comunicação entre os interlocutores. Não está focada em transmitir informações específicas, mas em estabelecer e manter um canal de comunicação aberto e fluente.Ele é alcançado por meio de expressões fáticas -por exemplo, cumprimentos, verificando perguntas, e outras formas em que a comunicação é eficiente e eles levam. Durante uma interação verbal, elas ajudam a criar um ambiente amigável e interativo. </a:t>
             </a:r>
-            <a:endParaRPr lang="pt-PT" b="0" dirty="0">
-              <a:effectLst/>
+            <a:br>
+              <a:rPr lang="pt-PT" dirty="0">
+                <a:ln w="0"/>
+                <a:solidFill>
+                  <a:srgbClr val="000000"/>
+                </a:solidFill>
+              </a:rPr>
+            </a:br>
+            <a:endParaRPr lang="pt-PT" dirty="0">
+              <a:ln w="0"/>
+              <a:solidFill>
+                <a:srgbClr val="000000"/>
+              </a:solidFill>
             </a:endParaRPr>
-          </a:p>
-          <a:p>
-            <a:br>
-              <a:rPr lang="pt-PT" dirty="0"/>
-            </a:br>
-            <a:endParaRPr lang="pt-PT" dirty="0"/>
           </a:p>
         </p:txBody>
       </p:sp>
@@ -28253,44 +29883,6 @@
           <a:chExt cx="0" cy="0"/>
         </a:xfrm>
       </p:grpSpPr>
-      <p:sp>
-        <p:nvSpPr>
-          <p:cNvPr id="12" name="Footer Placeholder 1">
-            <a:extLst>
-              <a:ext uri="{FF2B5EF4-FFF2-40B4-BE49-F238E27FC236}">
-                <a16:creationId xmlns:a16="http://schemas.microsoft.com/office/drawing/2014/main" id="{3C683D3C-1EDC-C667-928D-01EEBD22FF3E}"/>
-              </a:ext>
-            </a:extLst>
-          </p:cNvPr>
-          <p:cNvSpPr>
-            <a:spLocks noGrp="1"/>
-          </p:cNvSpPr>
-          <p:nvPr>
-            <p:ph type="ftr" sz="quarter" idx="11"/>
-          </p:nvPr>
-        </p:nvSpPr>
-        <p:spPr>
-          <a:xfrm>
-            <a:off x="911225" y="5945824"/>
-            <a:ext cx="2639323" cy="365125"/>
-          </a:xfrm>
-        </p:spPr>
-        <p:txBody>
-          <a:bodyPr/>
-          <a:lstStyle/>
-          <a:p>
-            <a:pPr rtl="0">
-              <a:spcAft>
-                <a:spcPts val="600"/>
-              </a:spcAft>
-            </a:pPr>
-            <a:r>
-              <a:rPr lang="pt-PT" noProof="0" dirty="0"/>
-              <a:t>ADICIONE UM RODAPÉ</a:t>
-            </a:r>
-          </a:p>
-        </p:txBody>
-      </p:sp>
       <p:sp>
         <p:nvSpPr>
           <p:cNvPr id="4" name="Marcador de Posição do Número do Diapositivo 3">
@@ -28389,16 +29981,6 @@
                 <a:spcPts val="600"/>
               </a:spcAft>
             </a:pPr>
-            <a:r>
-              <a:rPr lang="pt-PT" sz="1800" b="1" i="0" u="none" strike="noStrike" dirty="0">
-                <a:solidFill>
-                  <a:srgbClr val="000000"/>
-                </a:solidFill>
-                <a:effectLst/>
-                <a:latin typeface="Arial" panose="020B0604020202020204" pitchFamily="34" charset="0"/>
-              </a:rPr>
-              <a:t>Curiosidade:</a:t>
-            </a:r>
             <a:endParaRPr lang="pt-PT" sz="4000" b="1" kern="1200" dirty="0">
               <a:latin typeface="+mj-lt"/>
               <a:ea typeface="+mj-ea"/>
@@ -28421,7 +30003,7 @@
         </p:nvSpPr>
         <p:spPr>
           <a:xfrm>
-            <a:off x="503840" y="2160905"/>
+            <a:off x="494315" y="2139272"/>
             <a:ext cx="8179150" cy="646331"/>
           </a:xfrm>
           <a:prstGeom prst="rect">
@@ -28447,6 +30029,100 @@
               <a:rPr lang="pt-PT" dirty="0"/>
             </a:br>
             <a:endParaRPr lang="pt-PT" dirty="0"/>
+          </a:p>
+        </p:txBody>
+      </p:sp>
+      <p:sp>
+        <p:nvSpPr>
+          <p:cNvPr id="6" name="TextBox 5">
+            <a:extLst>
+              <a:ext uri="{FF2B5EF4-FFF2-40B4-BE49-F238E27FC236}">
+                <a16:creationId xmlns:a16="http://schemas.microsoft.com/office/drawing/2014/main" id="{42CD916E-6251-29FD-B1E0-295EACF1158E}"/>
+              </a:ext>
+            </a:extLst>
+          </p:cNvPr>
+          <p:cNvSpPr txBox="1"/>
+          <p:nvPr/>
+        </p:nvSpPr>
+        <p:spPr>
+          <a:xfrm rot="21074713">
+            <a:off x="187773" y="619249"/>
+            <a:ext cx="4086225" cy="707886"/>
+          </a:xfrm>
+          <a:prstGeom prst="rect">
+            <a:avLst/>
+          </a:prstGeom>
+          <a:noFill/>
+        </p:spPr>
+        <p:txBody>
+          <a:bodyPr wrap="square">
+            <a:spAutoFit/>
+          </a:bodyPr>
+          <a:lstStyle/>
+          <a:p>
+            <a:pPr>
+              <a:spcAft>
+                <a:spcPts val="600"/>
+              </a:spcAft>
+            </a:pPr>
+            <a:r>
+              <a:rPr lang="pt-PT" sz="4000" b="1" kern="1200" dirty="0">
+                <a:solidFill>
+                  <a:schemeClr val="bg1"/>
+                </a:solidFill>
+                <a:latin typeface="+mj-lt"/>
+                <a:ea typeface="+mj-ea"/>
+                <a:cs typeface="+mj-cs"/>
+              </a:rPr>
+              <a:t>Curiosidade:</a:t>
+            </a:r>
+            <a:endParaRPr lang="pt-PT" sz="1800" b="1" kern="1200" dirty="0">
+              <a:solidFill>
+                <a:schemeClr val="bg1"/>
+              </a:solidFill>
+              <a:latin typeface="+mj-lt"/>
+              <a:ea typeface="+mj-ea"/>
+              <a:cs typeface="+mj-cs"/>
+            </a:endParaRPr>
+          </a:p>
+        </p:txBody>
+      </p:sp>
+      <p:sp>
+        <p:nvSpPr>
+          <p:cNvPr id="9" name="TextBox 8">
+            <a:extLst>
+              <a:ext uri="{FF2B5EF4-FFF2-40B4-BE49-F238E27FC236}">
+                <a16:creationId xmlns:a16="http://schemas.microsoft.com/office/drawing/2014/main" id="{1BD2F5C7-72CC-2498-A913-D3629CF82F1C}"/>
+              </a:ext>
+            </a:extLst>
+          </p:cNvPr>
+          <p:cNvSpPr txBox="1"/>
+          <p:nvPr/>
+        </p:nvSpPr>
+        <p:spPr>
+          <a:xfrm>
+            <a:off x="2086148" y="2139272"/>
+            <a:ext cx="8019703" cy="2400657"/>
+          </a:xfrm>
+          <a:prstGeom prst="rect">
+            <a:avLst/>
+          </a:prstGeom>
+          <a:noFill/>
+        </p:spPr>
+        <p:txBody>
+          <a:bodyPr wrap="square">
+            <a:spAutoFit/>
+          </a:bodyPr>
+          <a:lstStyle/>
+          <a:p>
+            <a:r>
+              <a:rPr lang="pt-PT" sz="2500" dirty="0">
+                <a:solidFill>
+                  <a:srgbClr val="000000"/>
+                </a:solidFill>
+              </a:rPr>
+              <a:t>A função fática é sobre manter o contato social através da comunicação, usando saudações, despedidas e outras expressões para iniciar, prolongar ou encerrar conversas, tanto pessoalmente quanto online. É importante para garantir a conexão social e o funcionamento adequado da comunicação.</a:t>
+            </a:r>
           </a:p>
         </p:txBody>
       </p:sp>
@@ -28482,10 +30158,10 @@
       </p:grpSpPr>
       <p:sp>
         <p:nvSpPr>
-          <p:cNvPr id="2" name="Título 1">
+          <p:cNvPr id="4" name="Marcador de Posição do Número do Diapositivo 3">
             <a:extLst>
               <a:ext uri="{FF2B5EF4-FFF2-40B4-BE49-F238E27FC236}">
-                <a16:creationId xmlns:a16="http://schemas.microsoft.com/office/drawing/2014/main" id="{434AA4C6-BA7F-40BC-AD51-EFDDDBEA5A84}"/>
+                <a16:creationId xmlns:a16="http://schemas.microsoft.com/office/drawing/2014/main" id="{1D6158BA-8D0B-4C52-9952-51D361C7F3ED}"/>
               </a:ext>
             </a:extLst>
           </p:cNvPr>
@@ -28493,83 +30169,247 @@
             <a:spLocks noGrp="1"/>
           </p:cNvSpPr>
           <p:nvPr>
-            <p:ph type="title"/>
+            <p:ph type="sldNum" sz="quarter" idx="12"/>
           </p:nvPr>
         </p:nvSpPr>
-        <p:spPr/>
+        <p:spPr>
+          <a:xfrm>
+            <a:off x="11163743" y="5945824"/>
+            <a:ext cx="642257" cy="365125"/>
+          </a:xfrm>
+        </p:spPr>
         <p:txBody>
-          <a:bodyPr rtlCol="0"/>
+          <a:bodyPr vert="horz" lIns="91440" tIns="45720" rIns="91440" bIns="45720" rtlCol="0" anchor="ctr">
+            <a:normAutofit/>
+          </a:bodyPr>
           <a:lstStyle/>
           <a:p>
-            <a:pPr rtl="0"/>
-            <a:r>
-              <a:rPr lang="pt-PT"/>
-              <a:t>Obrigado!</a:t>
-            </a:r>
+            <a:pPr>
+              <a:spcAft>
+                <a:spcPts val="600"/>
+              </a:spcAft>
+            </a:pPr>
+            <a:fld id="{98C0CDE5-970C-4CC4-BF43-0DA127E73E82}" type="slidenum">
+              <a:rPr lang="pt-PT" smtClean="0"/>
+              <a:pPr>
+                <a:spcAft>
+                  <a:spcPts val="600"/>
+                </a:spcAft>
+              </a:pPr>
+              <a:t>8</a:t>
+            </a:fld>
+            <a:endParaRPr lang="pt-PT"/>
           </a:p>
         </p:txBody>
       </p:sp>
-      <p:pic>
-        <p:nvPicPr>
-          <p:cNvPr id="7" name="Marcador de Posição da Imagem 6" descr="Rapaz a Carregar uma Mochila Vermelha">
+      <p:sp>
+        <p:nvSpPr>
+          <p:cNvPr id="8" name="Título 1">
             <a:extLst>
               <a:ext uri="{FF2B5EF4-FFF2-40B4-BE49-F238E27FC236}">
-                <a16:creationId xmlns:a16="http://schemas.microsoft.com/office/drawing/2014/main" id="{10962572-14B4-44BB-89AB-9ADA56D6B408}"/>
+                <a16:creationId xmlns:a16="http://schemas.microsoft.com/office/drawing/2014/main" id="{AD8F97A6-C009-9A15-C775-4093D758E708}"/>
               </a:ext>
             </a:extLst>
           </p:cNvPr>
-          <p:cNvPicPr>
-            <a:picLocks noGrp="1" noChangeAspect="1"/>
-          </p:cNvPicPr>
-          <p:nvPr>
-            <p:ph type="pic" sz="quarter" idx="13"/>
-          </p:nvPr>
-        </p:nvPicPr>
-        <p:blipFill rotWithShape="1">
-          <a:blip r:embed="rId3"/>
-          <a:srcRect l="17932" t="26156" r="14038" b="34430"/>
-          <a:stretch/>
-        </p:blipFill>
+          <p:cNvSpPr txBox="1">
+            <a:spLocks/>
+          </p:cNvSpPr>
+          <p:nvPr/>
+        </p:nvSpPr>
         <p:spPr>
-          <a:xfrm>
-            <a:off x="-1600" y="1096296"/>
-            <a:ext cx="6052552" cy="5259842"/>
+          <a:xfrm rot="21180000">
+            <a:off x="288463" y="354491"/>
+            <a:ext cx="4391191" cy="1325563"/>
           </a:xfrm>
+          <a:prstGeom prst="rect">
+            <a:avLst/>
+          </a:prstGeom>
         </p:spPr>
-      </p:pic>
+        <p:txBody>
+          <a:bodyPr vert="horz" lIns="91440" tIns="45720" rIns="91440" bIns="45720" rtlCol="0" anchor="ctr" anchorCtr="0">
+            <a:normAutofit/>
+          </a:bodyPr>
+          <a:lstStyle>
+            <a:lvl1pPr algn="l" defTabSz="914400" rtl="0" eaLnBrk="1" latinLnBrk="0" hangingPunct="1">
+              <a:lnSpc>
+                <a:spcPct val="90000"/>
+              </a:lnSpc>
+              <a:spcBef>
+                <a:spcPct val="0"/>
+              </a:spcBef>
+              <a:buNone/>
+              <a:defRPr sz="2000" b="1" kern="1200">
+                <a:solidFill>
+                  <a:schemeClr val="bg1"/>
+                </a:solidFill>
+                <a:latin typeface="+mn-lt"/>
+                <a:ea typeface="+mj-ea"/>
+                <a:cs typeface="+mj-cs"/>
+              </a:defRPr>
+            </a:lvl1pPr>
+          </a:lstStyle>
+          <a:p>
+            <a:pPr>
+              <a:spcAft>
+                <a:spcPts val="600"/>
+              </a:spcAft>
+            </a:pPr>
+            <a:endParaRPr lang="pt-PT" sz="4000" b="1" kern="1200" dirty="0">
+              <a:latin typeface="+mj-lt"/>
+              <a:ea typeface="+mj-ea"/>
+              <a:cs typeface="+mj-cs"/>
+            </a:endParaRPr>
+          </a:p>
+        </p:txBody>
+      </p:sp>
       <p:sp>
         <p:nvSpPr>
-          <p:cNvPr id="4" name="Marcador de Posição do Texto 3">
+          <p:cNvPr id="13" name="TextBox 12">
             <a:extLst>
               <a:ext uri="{FF2B5EF4-FFF2-40B4-BE49-F238E27FC236}">
-                <a16:creationId xmlns:a16="http://schemas.microsoft.com/office/drawing/2014/main" id="{F155FC3B-DD33-4B9A-A5EB-A2301786CE4E}"/>
+                <a16:creationId xmlns:a16="http://schemas.microsoft.com/office/drawing/2014/main" id="{959942CE-1583-4645-BC20-4203D69C117F}"/>
               </a:ext>
             </a:extLst>
           </p:cNvPr>
-          <p:cNvSpPr>
-            <a:spLocks noGrp="1"/>
-          </p:cNvSpPr>
-          <p:nvPr>
-            <p:ph type="body" sz="quarter" idx="14"/>
-          </p:nvPr>
+          <p:cNvSpPr txBox="1"/>
+          <p:nvPr/>
         </p:nvSpPr>
-        <p:spPr/>
+        <p:spPr>
+          <a:xfrm>
+            <a:off x="494315" y="2139272"/>
+            <a:ext cx="8179150" cy="646331"/>
+          </a:xfrm>
+          <a:prstGeom prst="rect">
+            <a:avLst/>
+          </a:prstGeom>
+          <a:noFill/>
+        </p:spPr>
         <p:txBody>
-          <a:bodyPr rtlCol="0"/>
+          <a:bodyPr wrap="square" rtlCol="0">
+            <a:spAutoFit/>
+          </a:bodyPr>
           <a:lstStyle/>
           <a:p>
-            <a:pPr rtl="0"/>
+            <a:pPr rtl="0">
+              <a:spcBef>
+                <a:spcPts val="1200"/>
+              </a:spcBef>
+              <a:spcAft>
+                <a:spcPts val="1200"/>
+              </a:spcAft>
+            </a:pPr>
+            <a:br>
+              <a:rPr lang="pt-PT" dirty="0"/>
+            </a:br>
+            <a:endParaRPr lang="pt-PT" dirty="0"/>
+          </a:p>
+        </p:txBody>
+      </p:sp>
+      <p:sp>
+        <p:nvSpPr>
+          <p:cNvPr id="6" name="TextBox 5">
+            <a:extLst>
+              <a:ext uri="{FF2B5EF4-FFF2-40B4-BE49-F238E27FC236}">
+                <a16:creationId xmlns:a16="http://schemas.microsoft.com/office/drawing/2014/main" id="{42CD916E-6251-29FD-B1E0-295EACF1158E}"/>
+              </a:ext>
+            </a:extLst>
+          </p:cNvPr>
+          <p:cNvSpPr txBox="1"/>
+          <p:nvPr/>
+        </p:nvSpPr>
+        <p:spPr>
+          <a:xfrm rot="21074713">
+            <a:off x="187773" y="619249"/>
+            <a:ext cx="4086225" cy="707886"/>
+          </a:xfrm>
+          <a:prstGeom prst="rect">
+            <a:avLst/>
+          </a:prstGeom>
+          <a:noFill/>
+        </p:spPr>
+        <p:txBody>
+          <a:bodyPr wrap="square">
+            <a:spAutoFit/>
+          </a:bodyPr>
+          <a:lstStyle/>
+          <a:p>
+            <a:pPr>
+              <a:spcAft>
+                <a:spcPts val="600"/>
+              </a:spcAft>
+            </a:pPr>
             <a:r>
-              <a:rPr lang="pt-PT"/>
-              <a:t>RITA SANTOS</a:t>
+              <a:rPr lang="pt-PT" sz="4000" b="1" kern="1200" dirty="0">
+                <a:solidFill>
+                  <a:schemeClr val="bg1"/>
+                </a:solidFill>
+                <a:latin typeface="+mj-lt"/>
+                <a:ea typeface="+mj-ea"/>
+                <a:cs typeface="+mj-cs"/>
+              </a:rPr>
+              <a:t>Importância: </a:t>
             </a:r>
+            <a:endParaRPr lang="pt-PT" sz="1800" b="1" kern="1200" dirty="0">
+              <a:solidFill>
+                <a:schemeClr val="bg1"/>
+              </a:solidFill>
+              <a:latin typeface="+mj-lt"/>
+              <a:ea typeface="+mj-ea"/>
+              <a:cs typeface="+mj-cs"/>
+            </a:endParaRPr>
+          </a:p>
+        </p:txBody>
+      </p:sp>
+      <p:sp>
+        <p:nvSpPr>
+          <p:cNvPr id="9" name="TextBox 8">
+            <a:extLst>
+              <a:ext uri="{FF2B5EF4-FFF2-40B4-BE49-F238E27FC236}">
+                <a16:creationId xmlns:a16="http://schemas.microsoft.com/office/drawing/2014/main" id="{1BD2F5C7-72CC-2498-A913-D3629CF82F1C}"/>
+              </a:ext>
+            </a:extLst>
+          </p:cNvPr>
+          <p:cNvSpPr txBox="1"/>
+          <p:nvPr/>
+        </p:nvSpPr>
+        <p:spPr>
+          <a:xfrm>
+            <a:off x="1781262" y="2256516"/>
+            <a:ext cx="8629476" cy="1815882"/>
+          </a:xfrm>
+          <a:prstGeom prst="rect">
+            <a:avLst/>
+          </a:prstGeom>
+          <a:noFill/>
+        </p:spPr>
+        <p:txBody>
+          <a:bodyPr wrap="square">
+            <a:spAutoFit/>
+          </a:bodyPr>
+          <a:lstStyle/>
+          <a:p>
+            <a:r>
+              <a:rPr lang="pt-PT" sz="2800" b="0" i="0" dirty="0">
+                <a:solidFill>
+                  <a:srgbClr val="0D0D0D"/>
+                </a:solidFill>
+                <a:effectLst/>
+                <a:latin typeface="Söhne"/>
+              </a:rPr>
+              <a:t>Conexão Humana: A fática desempenha um papel fundamental na criação de laços interpessoais, transmitindo sentimentos de aceitação, proximidade e conforto.</a:t>
+            </a:r>
+            <a:endParaRPr lang="pt-PT" sz="2500" dirty="0">
+              <a:solidFill>
+                <a:srgbClr val="000000"/>
+              </a:solidFill>
+            </a:endParaRPr>
           </a:p>
         </p:txBody>
       </p:sp>
     </p:spTree>
     <p:extLst>
       <p:ext uri="{BB962C8B-B14F-4D97-AF65-F5344CB8AC3E}">
-        <p14:creationId xmlns:p14="http://schemas.microsoft.com/office/powerpoint/2010/main" val="1923331524"/>
+        <p14:creationId xmlns:p14="http://schemas.microsoft.com/office/powerpoint/2010/main" val="1612153263"/>
       </p:ext>
     </p:extLst>
   </p:cSld>
@@ -28598,91 +30438,10 @@
       </p:grpSpPr>
       <p:sp>
         <p:nvSpPr>
-          <p:cNvPr id="4" name="Título 3">
+          <p:cNvPr id="4" name="Marcador de Posição do Número do Diapositivo 3">
             <a:extLst>
               <a:ext uri="{FF2B5EF4-FFF2-40B4-BE49-F238E27FC236}">
-                <a16:creationId xmlns:a16="http://schemas.microsoft.com/office/drawing/2014/main" id="{E98DCA46-603B-4178-8707-30E192CE6B8D}"/>
-              </a:ext>
-            </a:extLst>
-          </p:cNvPr>
-          <p:cNvSpPr>
-            <a:spLocks noGrp="1"/>
-          </p:cNvSpPr>
-          <p:nvPr>
-            <p:ph type="title"/>
-          </p:nvPr>
-        </p:nvSpPr>
-        <p:spPr>
-          <a:xfrm rot="21180000">
-            <a:off x="294214" y="448519"/>
-            <a:ext cx="4391191" cy="1231184"/>
-          </a:xfrm>
-        </p:spPr>
-        <p:txBody>
-          <a:bodyPr rtlCol="0" anchor="t">
-            <a:normAutofit/>
-          </a:bodyPr>
-          <a:lstStyle/>
-          <a:p>
-            <a:pPr rtl="0"/>
-            <a:r>
-              <a:rPr lang="pt-PT" sz="3600"/>
-              <a:t>Personalizar este Modelo</a:t>
-            </a:r>
-          </a:p>
-        </p:txBody>
-      </p:sp>
-      <p:sp>
-        <p:nvSpPr>
-          <p:cNvPr id="7" name="Marcador de Posição do Texto 6">
-            <a:extLst>
-              <a:ext uri="{FF2B5EF4-FFF2-40B4-BE49-F238E27FC236}">
-                <a16:creationId xmlns:a16="http://schemas.microsoft.com/office/drawing/2014/main" id="{AE495B20-FF2C-4679-89D6-BE7A90DA9F73}"/>
-              </a:ext>
-            </a:extLst>
-          </p:cNvPr>
-          <p:cNvSpPr>
-            <a:spLocks noGrp="1"/>
-          </p:cNvSpPr>
-          <p:nvPr>
-            <p:ph type="body" sz="quarter" idx="13"/>
-          </p:nvPr>
-        </p:nvSpPr>
-        <p:spPr/>
-        <p:txBody>
-          <a:bodyPr rtlCol="0"/>
-          <a:lstStyle/>
-          <a:p>
-            <a:pPr rtl="0"/>
-            <a:r>
-              <a:rPr lang="pt-PT" u="sng">
-                <a:solidFill>
-                  <a:schemeClr val="accent2"/>
-                </a:solidFill>
-                <a:hlinkClick r:id="rId3">
-                  <a:extLst>
-                    <a:ext uri="{A12FA001-AC4F-418D-AE19-62706E023703}">
-                      <ahyp:hlinkClr xmlns:ahyp="http://schemas.microsoft.com/office/drawing/2018/hyperlinkcolor" val="tx"/>
-                    </a:ext>
-                  </a:extLst>
-                </a:hlinkClick>
-              </a:rPr>
-              <a:t>Instruções de Edição do Modelo e Feedback</a:t>
-            </a:r>
-            <a:endParaRPr lang="pt-PT" u="sng">
-              <a:solidFill>
-                <a:schemeClr val="accent2"/>
-              </a:solidFill>
-            </a:endParaRPr>
-          </a:p>
-        </p:txBody>
-      </p:sp>
-      <p:sp>
-        <p:nvSpPr>
-          <p:cNvPr id="3" name="Marcador de Posição do Número do Diapositivo 2">
-            <a:extLst>
-              <a:ext uri="{FF2B5EF4-FFF2-40B4-BE49-F238E27FC236}">
-                <a16:creationId xmlns:a16="http://schemas.microsoft.com/office/drawing/2014/main" id="{DBE29131-0256-478D-B4FF-734E0F94CF66}"/>
+                <a16:creationId xmlns:a16="http://schemas.microsoft.com/office/drawing/2014/main" id="{1D6158BA-8D0B-4C52-9952-51D361C7F3ED}"/>
               </a:ext>
             </a:extLst>
           </p:cNvPr>
@@ -28693,14 +30452,30 @@
             <p:ph type="sldNum" sz="quarter" idx="12"/>
           </p:nvPr>
         </p:nvSpPr>
-        <p:spPr/>
+        <p:spPr>
+          <a:xfrm>
+            <a:off x="11163743" y="5945824"/>
+            <a:ext cx="642257" cy="365125"/>
+          </a:xfrm>
+        </p:spPr>
         <p:txBody>
-          <a:bodyPr rtlCol="0"/>
+          <a:bodyPr vert="horz" lIns="91440" tIns="45720" rIns="91440" bIns="45720" rtlCol="0" anchor="ctr">
+            <a:normAutofit/>
+          </a:bodyPr>
           <a:lstStyle/>
           <a:p>
-            <a:pPr rtl="0"/>
+            <a:pPr>
+              <a:spcAft>
+                <a:spcPts val="600"/>
+              </a:spcAft>
+            </a:pPr>
             <a:fld id="{98C0CDE5-970C-4CC4-BF43-0DA127E73E82}" type="slidenum">
               <a:rPr lang="pt-PT" smtClean="0"/>
+              <a:pPr>
+                <a:spcAft>
+                  <a:spcPts val="600"/>
+                </a:spcAft>
+              </a:pPr>
               <a:t>9</a:t>
             </a:fld>
             <a:endParaRPr lang="pt-PT"/>
@@ -28709,37 +30484,262 @@
       </p:sp>
       <p:sp>
         <p:nvSpPr>
-          <p:cNvPr id="2" name="Marcador de Posição do Rodapé 1">
+          <p:cNvPr id="8" name="Título 1">
             <a:extLst>
               <a:ext uri="{FF2B5EF4-FFF2-40B4-BE49-F238E27FC236}">
-                <a16:creationId xmlns:a16="http://schemas.microsoft.com/office/drawing/2014/main" id="{9465EF17-2204-4D5B-85DC-FFEEB0D67323}"/>
+                <a16:creationId xmlns:a16="http://schemas.microsoft.com/office/drawing/2014/main" id="{AD8F97A6-C009-9A15-C775-4093D758E708}"/>
               </a:ext>
             </a:extLst>
           </p:cNvPr>
-          <p:cNvSpPr>
-            <a:spLocks noGrp="1"/>
+          <p:cNvSpPr txBox="1">
+            <a:spLocks/>
           </p:cNvSpPr>
-          <p:nvPr>
-            <p:ph type="ftr" sz="quarter" idx="11"/>
-          </p:nvPr>
+          <p:nvPr/>
         </p:nvSpPr>
-        <p:spPr/>
+        <p:spPr>
+          <a:xfrm rot="21180000">
+            <a:off x="64407" y="435777"/>
+            <a:ext cx="4391191" cy="1325563"/>
+          </a:xfrm>
+          <a:prstGeom prst="rect">
+            <a:avLst/>
+          </a:prstGeom>
+        </p:spPr>
         <p:txBody>
-          <a:bodyPr/>
+          <a:bodyPr vert="horz" lIns="91440" tIns="45720" rIns="91440" bIns="45720" rtlCol="0" anchor="ctr" anchorCtr="0">
+            <a:normAutofit/>
+          </a:bodyPr>
+          <a:lstStyle>
+            <a:lvl1pPr algn="l" defTabSz="914400" rtl="0" eaLnBrk="1" latinLnBrk="0" hangingPunct="1">
+              <a:lnSpc>
+                <a:spcPct val="90000"/>
+              </a:lnSpc>
+              <a:spcBef>
+                <a:spcPct val="0"/>
+              </a:spcBef>
+              <a:buNone/>
+              <a:defRPr sz="2000" b="1" kern="1200">
+                <a:solidFill>
+                  <a:schemeClr val="bg1"/>
+                </a:solidFill>
+                <a:latin typeface="+mn-lt"/>
+                <a:ea typeface="+mj-ea"/>
+                <a:cs typeface="+mj-cs"/>
+              </a:defRPr>
+            </a:lvl1pPr>
+          </a:lstStyle>
+          <a:p>
+            <a:pPr>
+              <a:spcAft>
+                <a:spcPts val="600"/>
+              </a:spcAft>
+            </a:pPr>
+            <a:endParaRPr lang="pt-PT" sz="4000" b="1" kern="1200" dirty="0">
+              <a:latin typeface="+mj-lt"/>
+              <a:ea typeface="+mj-ea"/>
+              <a:cs typeface="+mj-cs"/>
+            </a:endParaRPr>
+          </a:p>
+        </p:txBody>
+      </p:sp>
+      <p:sp>
+        <p:nvSpPr>
+          <p:cNvPr id="13" name="TextBox 12">
+            <a:extLst>
+              <a:ext uri="{FF2B5EF4-FFF2-40B4-BE49-F238E27FC236}">
+                <a16:creationId xmlns:a16="http://schemas.microsoft.com/office/drawing/2014/main" id="{959942CE-1583-4645-BC20-4203D69C117F}"/>
+              </a:ext>
+            </a:extLst>
+          </p:cNvPr>
+          <p:cNvSpPr txBox="1"/>
+          <p:nvPr/>
+        </p:nvSpPr>
+        <p:spPr>
+          <a:xfrm>
+            <a:off x="1221357" y="1755007"/>
+            <a:ext cx="8179150" cy="646331"/>
+          </a:xfrm>
+          <a:prstGeom prst="rect">
+            <a:avLst/>
+          </a:prstGeom>
+          <a:noFill/>
+        </p:spPr>
+        <p:txBody>
+          <a:bodyPr wrap="square" rtlCol="0">
+            <a:spAutoFit/>
+          </a:bodyPr>
           <a:lstStyle/>
           <a:p>
-            <a:pPr rtl="0"/>
+            <a:pPr rtl="0">
+              <a:spcBef>
+                <a:spcPts val="1200"/>
+              </a:spcBef>
+              <a:spcAft>
+                <a:spcPts val="1200"/>
+              </a:spcAft>
+            </a:pPr>
+            <a:br>
+              <a:rPr lang="pt-PT" dirty="0"/>
+            </a:br>
+            <a:endParaRPr lang="pt-PT" dirty="0"/>
+          </a:p>
+        </p:txBody>
+      </p:sp>
+      <p:sp>
+        <p:nvSpPr>
+          <p:cNvPr id="6" name="TextBox 5">
+            <a:extLst>
+              <a:ext uri="{FF2B5EF4-FFF2-40B4-BE49-F238E27FC236}">
+                <a16:creationId xmlns:a16="http://schemas.microsoft.com/office/drawing/2014/main" id="{42CD916E-6251-29FD-B1E0-295EACF1158E}"/>
+              </a:ext>
+            </a:extLst>
+          </p:cNvPr>
+          <p:cNvSpPr txBox="1"/>
+          <p:nvPr/>
+        </p:nvSpPr>
+        <p:spPr>
+          <a:xfrm rot="21074713">
+            <a:off x="171034" y="480782"/>
+            <a:ext cx="5268613" cy="707886"/>
+          </a:xfrm>
+          <a:prstGeom prst="rect">
+            <a:avLst/>
+          </a:prstGeom>
+          <a:noFill/>
+        </p:spPr>
+        <p:txBody>
+          <a:bodyPr wrap="square">
+            <a:spAutoFit/>
+          </a:bodyPr>
+          <a:lstStyle/>
+          <a:p>
+            <a:pPr>
+              <a:spcAft>
+                <a:spcPts val="600"/>
+              </a:spcAft>
+            </a:pPr>
             <a:r>
-              <a:rPr lang="pt-PT"/>
-              <a:t>ADICIONE UM RODAPÉ</a:t>
+              <a:rPr lang="pt-PT" sz="4000" b="0" i="0" dirty="0">
+                <a:solidFill>
+                  <a:schemeClr val="bg1"/>
+                </a:solidFill>
+                <a:effectLst/>
+                <a:latin typeface="Söhne"/>
+              </a:rPr>
+              <a:t>Barreiras na fática </a:t>
             </a:r>
+            <a:endParaRPr lang="pt-PT" sz="1800" b="1" kern="1200" dirty="0">
+              <a:solidFill>
+                <a:schemeClr val="bg1"/>
+              </a:solidFill>
+              <a:latin typeface="+mj-lt"/>
+              <a:ea typeface="+mj-ea"/>
+              <a:cs typeface="+mj-cs"/>
+            </a:endParaRPr>
+          </a:p>
+        </p:txBody>
+      </p:sp>
+      <p:sp>
+        <p:nvSpPr>
+          <p:cNvPr id="9" name="TextBox 8">
+            <a:extLst>
+              <a:ext uri="{FF2B5EF4-FFF2-40B4-BE49-F238E27FC236}">
+                <a16:creationId xmlns:a16="http://schemas.microsoft.com/office/drawing/2014/main" id="{1BD2F5C7-72CC-2498-A913-D3629CF82F1C}"/>
+              </a:ext>
+            </a:extLst>
+          </p:cNvPr>
+          <p:cNvSpPr txBox="1"/>
+          <p:nvPr/>
+        </p:nvSpPr>
+        <p:spPr>
+          <a:xfrm>
+            <a:off x="1131405" y="1674695"/>
+            <a:ext cx="9839238" cy="3970318"/>
+          </a:xfrm>
+          <a:prstGeom prst="rect">
+            <a:avLst/>
+          </a:prstGeom>
+          <a:noFill/>
+        </p:spPr>
+        <p:txBody>
+          <a:bodyPr wrap="square">
+            <a:spAutoFit/>
+          </a:bodyPr>
+          <a:lstStyle/>
+          <a:p>
+            <a:pPr algn="l">
+              <a:buFont typeface="+mj-lt"/>
+              <a:buAutoNum type="arabicPeriod"/>
+            </a:pPr>
+            <a:endParaRPr lang="pt-PT" sz="2800" b="0" i="0" dirty="0">
+              <a:solidFill>
+                <a:srgbClr val="0D0D0D"/>
+              </a:solidFill>
+              <a:effectLst/>
+              <a:latin typeface="Söhne"/>
+            </a:endParaRPr>
+          </a:p>
+          <a:p>
+            <a:pPr marL="742950" lvl="1" indent="-285750" algn="l">
+              <a:buFont typeface="+mj-lt"/>
+              <a:buAutoNum type="arabicPeriod"/>
+            </a:pPr>
+            <a:r>
+              <a:rPr lang="pt-PT" sz="2800" b="0" i="0" dirty="0">
+                <a:solidFill>
+                  <a:srgbClr val="0D0D0D"/>
+                </a:solidFill>
+                <a:effectLst/>
+                <a:latin typeface="Söhne"/>
+              </a:rPr>
+              <a:t>Cultura: O que pode ser considerado apropriado em uma cultura pode ser interpretado de maneira diferente em outra.</a:t>
+            </a:r>
+          </a:p>
+          <a:p>
+            <a:pPr marL="742950" lvl="1" indent="-285750" algn="l">
+              <a:buFont typeface="+mj-lt"/>
+              <a:buAutoNum type="arabicPeriod"/>
+            </a:pPr>
+            <a:endParaRPr lang="pt-PT" sz="2800" b="0" i="0" dirty="0">
+              <a:solidFill>
+                <a:srgbClr val="0D0D0D"/>
+              </a:solidFill>
+              <a:effectLst/>
+              <a:latin typeface="Söhne"/>
+            </a:endParaRPr>
+          </a:p>
+          <a:p>
+            <a:pPr marL="742950" lvl="1" indent="-285750" algn="l">
+              <a:buFont typeface="+mj-lt"/>
+              <a:buAutoNum type="arabicPeriod"/>
+            </a:pPr>
+            <a:r>
+              <a:rPr lang="pt-PT" sz="2800" b="0" i="0" dirty="0">
+                <a:solidFill>
+                  <a:srgbClr val="0D0D0D"/>
+                </a:solidFill>
+                <a:effectLst/>
+                <a:latin typeface="Söhne"/>
+              </a:rPr>
+              <a:t>Tecnologia: A comunicação digital pode limitar as interações fáticas, tornando mais difícil transmitir nuances emocionais e estabelecer conexões genuínas.</a:t>
+            </a:r>
+          </a:p>
+          <a:p>
+            <a:br>
+              <a:rPr lang="pt-PT" sz="2800" dirty="0"/>
+            </a:br>
+            <a:endParaRPr lang="pt-PT" sz="2800" dirty="0">
+              <a:solidFill>
+                <a:srgbClr val="000000"/>
+              </a:solidFill>
+            </a:endParaRPr>
           </a:p>
         </p:txBody>
       </p:sp>
     </p:spTree>
     <p:extLst>
       <p:ext uri="{BB962C8B-B14F-4D97-AF65-F5344CB8AC3E}">
-        <p14:creationId xmlns:p14="http://schemas.microsoft.com/office/powerpoint/2010/main" val="59582380"/>
+        <p14:creationId xmlns:p14="http://schemas.microsoft.com/office/powerpoint/2010/main" val="2276024391"/>
       </p:ext>
     </p:extLst>
   </p:cSld>

--- a/funcaoFatica.pptx
+++ b/funcaoFatica.pptx
@@ -5,10 +5,10 @@
     <p:sldMasterId id="2147483648" r:id="rId1"/>
   </p:sldMasterIdLst>
   <p:notesMasterIdLst>
-    <p:notesMasterId r:id="rId15"/>
+    <p:notesMasterId r:id="rId16"/>
   </p:notesMasterIdLst>
   <p:handoutMasterIdLst>
-    <p:handoutMasterId r:id="rId16"/>
+    <p:handoutMasterId r:id="rId17"/>
   </p:handoutMasterIdLst>
   <p:sldIdLst>
     <p:sldId id="256" r:id="rId2"/>
@@ -24,6 +24,7 @@
     <p:sldId id="272" r:id="rId12"/>
     <p:sldId id="273" r:id="rId13"/>
     <p:sldId id="274" r:id="rId14"/>
+    <p:sldId id="275" r:id="rId15"/>
   </p:sldIdLst>
   <p:sldSz cx="12192000" cy="6858000"/>
   <p:notesSz cx="6858000" cy="9144000"/>
@@ -237,7 +238,7 @@
             <a:pPr rtl="0"/>
             <a:fld id="{C5D4E3CA-F5FA-4BA1-8153-938B608CA0E1}" type="datetime1">
               <a:rPr lang="pt-PT" smtClean="0"/>
-              <a:t>25/02/2024</a:t>
+              <a:t>26/02/2024</a:t>
             </a:fld>
             <a:endParaRPr lang="pt-PT" dirty="0"/>
           </a:p>
@@ -317,7 +318,7 @@
             <a:pPr rtl="0"/>
             <a:fld id="{D1D13D6A-DFDD-4B27-9F53-83C0CD9331E8}" type="slidenum">
               <a:rPr lang="pt-PT" smtClean="0"/>
-              <a:t>‹#›</a:t>
+              <a:t>‹nº›</a:t>
             </a:fld>
             <a:endParaRPr lang="pt-PT"/>
           </a:p>
@@ -418,7 +419,7 @@
             <a:fld id="{6C968E90-DFA2-406B-8ADF-42CEF3BB6151}" type="datetime1">
               <a:rPr lang="pt-PT" smtClean="0"/>
               <a:pPr/>
-              <a:t>25/02/2024</a:t>
+              <a:t>26/02/2024</a:t>
             </a:fld>
             <a:endParaRPr lang="pt-PT" dirty="0"/>
           </a:p>
@@ -579,7 +580,7 @@
             <a:pPr rtl="0"/>
             <a:fld id="{BA1D7B6F-E65C-42E7-86A5-0A01C6C95227}" type="slidenum">
               <a:rPr lang="pt-PT" noProof="0" smtClean="0"/>
-              <a:t>‹#›</a:t>
+              <a:t>‹nº›</a:t>
             </a:fld>
             <a:endParaRPr lang="pt-PT" noProof="0"/>
           </a:p>
@@ -7849,7 +7850,7 @@
             <a:pPr rtl="0"/>
             <a:fld id="{98C0CDE5-970C-4CC4-BF43-0DA127E73E82}" type="slidenum">
               <a:rPr lang="pt-PT" noProof="0" smtClean="0"/>
-              <a:t>‹#›</a:t>
+              <a:t>‹nº›</a:t>
             </a:fld>
             <a:endParaRPr lang="pt-PT" noProof="0"/>
           </a:p>
@@ -8951,7 +8952,7 @@
             <a:pPr rtl="0"/>
             <a:fld id="{98C0CDE5-970C-4CC4-BF43-0DA127E73E82}" type="slidenum">
               <a:rPr lang="pt-PT" noProof="0" smtClean="0"/>
-              <a:t>‹#›</a:t>
+              <a:t>‹nº›</a:t>
             </a:fld>
             <a:endParaRPr lang="pt-PT" noProof="0"/>
           </a:p>
@@ -9989,7 +9990,7 @@
             <a:pPr rtl="0"/>
             <a:fld id="{98C0CDE5-970C-4CC4-BF43-0DA127E73E82}" type="slidenum">
               <a:rPr lang="pt-PT" noProof="0" smtClean="0"/>
-              <a:t>‹#›</a:t>
+              <a:t>‹nº›</a:t>
             </a:fld>
             <a:endParaRPr lang="pt-PT" noProof="0"/>
           </a:p>
@@ -11089,7 +11090,7 @@
             <a:pPr rtl="0"/>
             <a:fld id="{98C0CDE5-970C-4CC4-BF43-0DA127E73E82}" type="slidenum">
               <a:rPr lang="pt-PT" noProof="0" smtClean="0"/>
-              <a:t>‹#›</a:t>
+              <a:t>‹nº›</a:t>
             </a:fld>
             <a:endParaRPr lang="pt-PT" noProof="0"/>
           </a:p>
@@ -12206,7 +12207,7 @@
             <a:pPr rtl="0"/>
             <a:fld id="{98C0CDE5-970C-4CC4-BF43-0DA127E73E82}" type="slidenum">
               <a:rPr lang="pt-PT" noProof="0" smtClean="0"/>
-              <a:t>‹#›</a:t>
+              <a:t>‹nº›</a:t>
             </a:fld>
             <a:endParaRPr lang="pt-PT" noProof="0"/>
           </a:p>
@@ -13123,7 +13124,7 @@
             <a:pPr rtl="0"/>
             <a:fld id="{98C0CDE5-970C-4CC4-BF43-0DA127E73E82}" type="slidenum">
               <a:rPr lang="pt-PT" noProof="0" smtClean="0"/>
-              <a:t>‹#›</a:t>
+              <a:t>‹nº›</a:t>
             </a:fld>
             <a:endParaRPr lang="pt-PT" noProof="0"/>
           </a:p>
@@ -14156,7 +14157,7 @@
             <a:pPr rtl="0"/>
             <a:fld id="{98C0CDE5-970C-4CC4-BF43-0DA127E73E82}" type="slidenum">
               <a:rPr lang="pt-PT" noProof="0" smtClean="0"/>
-              <a:t>‹#›</a:t>
+              <a:t>‹nº›</a:t>
             </a:fld>
             <a:endParaRPr lang="pt-PT" noProof="0"/>
           </a:p>
@@ -15132,7 +15133,7 @@
             <a:pPr rtl="0"/>
             <a:fld id="{98C0CDE5-970C-4CC4-BF43-0DA127E73E82}" type="slidenum">
               <a:rPr lang="pt-PT" noProof="0" smtClean="0"/>
-              <a:t>‹#›</a:t>
+              <a:t>‹nº›</a:t>
             </a:fld>
             <a:endParaRPr lang="pt-PT" noProof="0"/>
           </a:p>
@@ -16668,7 +16669,7 @@
             <a:pPr rtl="0"/>
             <a:fld id="{98C0CDE5-970C-4CC4-BF43-0DA127E73E82}" type="slidenum">
               <a:rPr lang="pt-PT" noProof="0" smtClean="0"/>
-              <a:t>‹#›</a:t>
+              <a:t>‹nº›</a:t>
             </a:fld>
             <a:endParaRPr lang="pt-PT" noProof="0"/>
           </a:p>
@@ -17538,7 +17539,7 @@
             <a:pPr rtl="0"/>
             <a:fld id="{98C0CDE5-970C-4CC4-BF43-0DA127E73E82}" type="slidenum">
               <a:rPr lang="pt-PT" noProof="0" smtClean="0"/>
-              <a:t>‹#›</a:t>
+              <a:t>‹nº›</a:t>
             </a:fld>
             <a:endParaRPr lang="pt-PT" noProof="0"/>
           </a:p>
@@ -19400,7 +19401,7 @@
             <a:pPr rtl="0"/>
             <a:fld id="{98C0CDE5-970C-4CC4-BF43-0DA127E73E82}" type="slidenum">
               <a:rPr lang="pt-PT" noProof="0" smtClean="0"/>
-              <a:t>‹#›</a:t>
+              <a:t>‹nº›</a:t>
             </a:fld>
             <a:endParaRPr lang="pt-PT" noProof="0"/>
           </a:p>
@@ -20644,7 +20645,7 @@
             <a:pPr rtl="0"/>
             <a:fld id="{98C0CDE5-970C-4CC4-BF43-0DA127E73E82}" type="slidenum">
               <a:rPr lang="pt-PT" noProof="0" smtClean="0"/>
-              <a:t>‹#›</a:t>
+              <a:t>‹nº›</a:t>
             </a:fld>
             <a:endParaRPr lang="pt-PT" noProof="0"/>
           </a:p>
@@ -22194,7 +22195,7 @@
             <a:pPr rtl="0"/>
             <a:fld id="{98C0CDE5-970C-4CC4-BF43-0DA127E73E82}" type="slidenum">
               <a:rPr lang="pt-PT" noProof="0" smtClean="0"/>
-              <a:t>‹#›</a:t>
+              <a:t>‹nº›</a:t>
             </a:fld>
             <a:endParaRPr lang="pt-PT" noProof="0"/>
           </a:p>
@@ -23223,7 +23224,7 @@
             <a:pPr rtl="0"/>
             <a:fld id="{98C0CDE5-970C-4CC4-BF43-0DA127E73E82}" type="slidenum">
               <a:rPr lang="pt-PT" noProof="0" smtClean="0"/>
-              <a:t>‹#›</a:t>
+              <a:t>‹nº›</a:t>
             </a:fld>
             <a:endParaRPr lang="pt-PT" noProof="0"/>
           </a:p>
@@ -24139,7 +24140,7 @@
             <a:pPr rtl="0"/>
             <a:fld id="{98C0CDE5-970C-4CC4-BF43-0DA127E73E82}" type="slidenum">
               <a:rPr lang="pt-PT" noProof="0" smtClean="0"/>
-              <a:t>‹#›</a:t>
+              <a:t>‹nº›</a:t>
             </a:fld>
             <a:endParaRPr lang="pt-PT" noProof="0"/>
           </a:p>
@@ -25047,7 +25048,7 @@
             <a:pPr rtl="0"/>
             <a:fld id="{98C0CDE5-970C-4CC4-BF43-0DA127E73E82}" type="slidenum">
               <a:rPr lang="pt-PT" noProof="0" smtClean="0"/>
-              <a:t>‹#›</a:t>
+              <a:t>‹nº›</a:t>
             </a:fld>
             <a:endParaRPr lang="pt-PT" noProof="0"/>
           </a:p>
@@ -26154,7 +26155,7 @@
             <a:pPr rtl="0"/>
             <a:fld id="{98C0CDE5-970C-4CC4-BF43-0DA127E73E82}" type="slidenum">
               <a:rPr lang="pt-PT" noProof="0" smtClean="0"/>
-              <a:t>‹#›</a:t>
+              <a:t>‹nº›</a:t>
             </a:fld>
             <a:endParaRPr lang="pt-PT" noProof="0"/>
           </a:p>
@@ -26869,7 +26870,7 @@
             <a:fld id="{98C0CDE5-970C-4CC4-BF43-0DA127E73E82}" type="slidenum">
               <a:rPr lang="pt-PT" noProof="0" smtClean="0"/>
               <a:pPr rtl="0"/>
-              <a:t>‹#›</a:t>
+              <a:t>‹nº›</a:t>
             </a:fld>
             <a:endParaRPr lang="pt-PT" noProof="0"/>
           </a:p>
@@ -27554,6 +27555,10 @@
                 <a:spcPts val="1200"/>
               </a:spcAft>
             </a:pPr>
+            <a:r>
+              <a:rPr lang="pt-PT" dirty="0"/>
+              <a:t/>
+            </a:r>
             <a:br>
               <a:rPr lang="pt-PT" dirty="0"/>
             </a:br>
@@ -27679,6 +27684,10 @@
             </a:r>
           </a:p>
           <a:p>
+            <a:r>
+              <a:rPr lang="pt-PT" sz="2800" dirty="0"/>
+              <a:t/>
+            </a:r>
             <a:br>
               <a:rPr lang="pt-PT" sz="2800" dirty="0"/>
             </a:br>
@@ -27862,6 +27871,10 @@
                 <a:spcPts val="1200"/>
               </a:spcAft>
             </a:pPr>
+            <a:r>
+              <a:rPr lang="pt-PT" dirty="0"/>
+              <a:t/>
+            </a:r>
             <a:br>
               <a:rPr lang="pt-PT" dirty="0"/>
             </a:br>
@@ -28152,6 +28165,10 @@
                 <a:spcPts val="1200"/>
               </a:spcAft>
             </a:pPr>
+            <a:r>
+              <a:rPr lang="pt-PT" dirty="0"/>
+              <a:t/>
+            </a:r>
             <a:br>
               <a:rPr lang="pt-PT" dirty="0"/>
             </a:br>
@@ -28432,6 +28449,10 @@
                 <a:spcPts val="1200"/>
               </a:spcAft>
             </a:pPr>
+            <a:r>
+              <a:rPr lang="pt-PT" dirty="0"/>
+              <a:t/>
+            </a:r>
             <a:br>
               <a:rPr lang="pt-PT" dirty="0"/>
             </a:br>
@@ -28475,7 +28496,7 @@
             <a:r>
               <a:rPr lang="pt-PT" sz="4000" b="1" i="0" dirty="0">
                 <a:solidFill>
-                  <a:srgbClr val="0D0D0D"/>
+                  <a:schemeClr val="bg1"/>
                 </a:solidFill>
                 <a:effectLst/>
                 <a:latin typeface="Söhne"/>
@@ -28544,6 +28565,181 @@
     <p:extLst>
       <p:ext uri="{BB962C8B-B14F-4D97-AF65-F5344CB8AC3E}">
         <p14:creationId xmlns:p14="http://schemas.microsoft.com/office/powerpoint/2010/main" val="408872736"/>
+      </p:ext>
+    </p:extLst>
+  </p:cSld>
+  <p:clrMapOvr>
+    <a:masterClrMapping/>
+  </p:clrMapOvr>
+</p:sld>
+</file>
+
+<file path=ppt/slides/slide14.xml><?xml version="1.0" encoding="utf-8"?>
+<p:sld xmlns:a="http://schemas.openxmlformats.org/drawingml/2006/main" xmlns:r="http://schemas.openxmlformats.org/officeDocument/2006/relationships" xmlns:p="http://schemas.openxmlformats.org/presentationml/2006/main">
+  <p:cSld>
+    <p:spTree>
+      <p:nvGrpSpPr>
+        <p:cNvPr id="1" name=""/>
+        <p:cNvGrpSpPr/>
+        <p:nvPr/>
+      </p:nvGrpSpPr>
+      <p:grpSpPr>
+        <a:xfrm>
+          <a:off x="0" y="0"/>
+          <a:ext cx="0" cy="0"/>
+          <a:chOff x="0" y="0"/>
+          <a:chExt cx="0" cy="0"/>
+        </a:xfrm>
+      </p:grpSpPr>
+      <p:sp>
+        <p:nvSpPr>
+          <p:cNvPr id="2" name="Espaço Reservado para Rodapé 1"/>
+          <p:cNvSpPr>
+            <a:spLocks noGrp="1"/>
+          </p:cNvSpPr>
+          <p:nvPr>
+            <p:ph type="ftr" sz="quarter" idx="11"/>
+          </p:nvPr>
+        </p:nvSpPr>
+        <p:spPr>
+          <a:xfrm>
+            <a:off x="0" y="8499019"/>
+            <a:ext cx="2639323" cy="365125"/>
+          </a:xfrm>
+        </p:spPr>
+        <p:txBody>
+          <a:bodyPr/>
+          <a:lstStyle/>
+          <a:p>
+            <a:pPr rtl="0"/>
+            <a:r>
+              <a:rPr lang="pt-PT" noProof="0" dirty="0" smtClean="0"/>
+              <a:t>ADICIONE UM RODAPÉ</a:t>
+            </a:r>
+            <a:endParaRPr lang="pt-PT" noProof="0" dirty="0"/>
+          </a:p>
+        </p:txBody>
+      </p:sp>
+      <p:sp>
+        <p:nvSpPr>
+          <p:cNvPr id="3" name="Espaço Reservado para Número de Slide 2"/>
+          <p:cNvSpPr>
+            <a:spLocks noGrp="1"/>
+          </p:cNvSpPr>
+          <p:nvPr>
+            <p:ph type="sldNum" sz="quarter" idx="12"/>
+          </p:nvPr>
+        </p:nvSpPr>
+        <p:spPr/>
+        <p:txBody>
+          <a:bodyPr/>
+          <a:lstStyle/>
+          <a:p>
+            <a:pPr rtl="0"/>
+            <a:fld id="{98C0CDE5-970C-4CC4-BF43-0DA127E73E82}" type="slidenum">
+              <a:rPr lang="pt-PT" noProof="0" smtClean="0"/>
+              <a:t>14</a:t>
+            </a:fld>
+            <a:endParaRPr lang="pt-PT" noProof="0"/>
+          </a:p>
+        </p:txBody>
+      </p:sp>
+      <p:sp>
+        <p:nvSpPr>
+          <p:cNvPr id="4" name="Título 3"/>
+          <p:cNvSpPr>
+            <a:spLocks noGrp="1"/>
+          </p:cNvSpPr>
+          <p:nvPr>
+            <p:ph type="title"/>
+          </p:nvPr>
+        </p:nvSpPr>
+        <p:spPr/>
+        <p:txBody>
+          <a:bodyPr/>
+          <a:lstStyle/>
+          <a:p>
+            <a:pPr algn="ctr"/>
+            <a:r>
+              <a:rPr lang="pt-BR" dirty="0" smtClean="0"/>
+              <a:t>FIM</a:t>
+            </a:r>
+            <a:endParaRPr lang="pt-BR" dirty="0"/>
+          </a:p>
+        </p:txBody>
+      </p:sp>
+      <p:sp>
+        <p:nvSpPr>
+          <p:cNvPr id="5" name="Espaço Reservado para Conteúdo 4"/>
+          <p:cNvSpPr>
+            <a:spLocks noGrp="1"/>
+          </p:cNvSpPr>
+          <p:nvPr>
+            <p:ph idx="1"/>
+          </p:nvPr>
+        </p:nvSpPr>
+        <p:spPr>
+          <a:xfrm>
+            <a:off x="973777" y="1777048"/>
+            <a:ext cx="10514095" cy="4351338"/>
+          </a:xfrm>
+        </p:spPr>
+        <p:txBody>
+          <a:bodyPr/>
+          <a:lstStyle/>
+          <a:p>
+            <a:pPr algn="ctr"/>
+            <a:r>
+              <a:rPr lang="pt-BR" dirty="0" smtClean="0"/>
+              <a:t>FEITO POR PIETRO, MATHEUS E BRYAN </a:t>
+            </a:r>
+          </a:p>
+          <a:p>
+            <a:pPr marL="0" indent="0">
+              <a:buNone/>
+            </a:pPr>
+            <a:endParaRPr lang="pt-BR" dirty="0" smtClean="0"/>
+          </a:p>
+          <a:p>
+            <a:pPr marL="0" indent="0" algn="ctr">
+              <a:buNone/>
+            </a:pPr>
+            <a:r>
+              <a:rPr lang="pt-BR" i="1" dirty="0" smtClean="0"/>
+              <a:t>F</a:t>
+            </a:r>
+            <a:r>
+              <a:rPr lang="pt-BR" dirty="0" smtClean="0"/>
+              <a:t>ONTES: CHAT.OPENAI.COM, BRASIL ESCOLA </a:t>
+            </a:r>
+          </a:p>
+          <a:p>
+            <a:pPr marL="0" indent="0">
+              <a:buNone/>
+            </a:pPr>
+            <a:endParaRPr lang="pt-BR" dirty="0"/>
+          </a:p>
+          <a:p>
+            <a:pPr marL="0" indent="0" algn="ctr">
+              <a:buNone/>
+            </a:pPr>
+            <a:r>
+              <a:rPr lang="pt-BR" dirty="0"/>
+              <a:t>“COMO MINHA NAMORADA UM DIA DISSE TERMINAMOS!”</a:t>
+            </a:r>
+          </a:p>
+          <a:p>
+            <a:pPr marL="0" indent="0" algn="ctr">
+              <a:buNone/>
+            </a:pPr>
+            <a:endParaRPr lang="pt-BR" dirty="0"/>
+          </a:p>
+        </p:txBody>
+      </p:sp>
+    </p:spTree>
+    <p:extLst>
+      <p:ext uri="{BB962C8B-B14F-4D97-AF65-F5344CB8AC3E}">
+        <p14:creationId xmlns:p14="http://schemas.microsoft.com/office/powerpoint/2010/main" val="272851144"/>
       </p:ext>
     </p:extLst>
   </p:cSld>
@@ -28677,6 +28873,60 @@
           </a:p>
         </p:txBody>
       </p:sp>
+      <p:sp>
+        <p:nvSpPr>
+          <p:cNvPr id="3" name="Retângulo 2"/>
+          <p:cNvSpPr/>
+          <p:nvPr/>
+        </p:nvSpPr>
+        <p:spPr>
+          <a:xfrm>
+            <a:off x="11210306" y="5700156"/>
+            <a:ext cx="47502" cy="45719"/>
+          </a:xfrm>
+          <a:prstGeom prst="rect">
+            <a:avLst/>
+          </a:prstGeom>
+          <a:gradFill>
+            <a:gsLst>
+              <a:gs pos="0">
+                <a:schemeClr val="tx1"/>
+              </a:gs>
+              <a:gs pos="100000">
+                <a:schemeClr val="tx2"/>
+              </a:gs>
+            </a:gsLst>
+            <a:lin ang="360000" scaled="0"/>
+          </a:gradFill>
+          <a:ln>
+            <a:noFill/>
+          </a:ln>
+        </p:spPr>
+        <p:style>
+          <a:lnRef idx="2">
+            <a:schemeClr val="accent1">
+              <a:shade val="50000"/>
+            </a:schemeClr>
+          </a:lnRef>
+          <a:fillRef idx="1">
+            <a:schemeClr val="accent1"/>
+          </a:fillRef>
+          <a:effectRef idx="0">
+            <a:schemeClr val="accent1"/>
+          </a:effectRef>
+          <a:fontRef idx="minor">
+            <a:schemeClr val="lt1"/>
+          </a:fontRef>
+        </p:style>
+        <p:txBody>
+          <a:bodyPr rtlCol="0" anchor="ctr"/>
+          <a:lstStyle/>
+          <a:p>
+            <a:pPr algn="ctr"/>
+            <a:endParaRPr lang="pt-BR"/>
+          </a:p>
+        </p:txBody>
+      </p:sp>
     </p:spTree>
     <p:extLst>
       <p:ext uri="{BB962C8B-B14F-4D97-AF65-F5344CB8AC3E}">
@@ -28709,31 +28959,6 @@
       </p:grpSpPr>
       <p:sp>
         <p:nvSpPr>
-          <p:cNvPr id="2" name="Text Placeholder 1">
-            <a:extLst>
-              <a:ext uri="{FF2B5EF4-FFF2-40B4-BE49-F238E27FC236}">
-                <a16:creationId xmlns:a16="http://schemas.microsoft.com/office/drawing/2014/main" id="{B54C5B83-5FDE-9CF2-FB18-B3FCC2EDA5AA}"/>
-              </a:ext>
-            </a:extLst>
-          </p:cNvPr>
-          <p:cNvSpPr>
-            <a:spLocks noGrp="1"/>
-          </p:cNvSpPr>
-          <p:nvPr>
-            <p:ph type="body" idx="1"/>
-          </p:nvPr>
-        </p:nvSpPr>
-        <p:spPr/>
-        <p:txBody>
-          <a:bodyPr/>
-          <a:lstStyle/>
-          <a:p>
-            <a:endParaRPr lang="pt-PT" dirty="0"/>
-          </a:p>
-        </p:txBody>
-      </p:sp>
-      <p:sp>
-        <p:nvSpPr>
           <p:cNvPr id="3" name="Footer Placeholder 2">
             <a:extLst>
               <a:ext uri="{FF2B5EF4-FFF2-40B4-BE49-F238E27FC236}">
@@ -28754,10 +28979,7 @@
           <a:lstStyle/>
           <a:p>
             <a:pPr rtl="0"/>
-            <a:r>
-              <a:rPr lang="pt-PT" noProof="0"/>
-              <a:t>ADICIONE UM RODAPÉ</a:t>
-            </a:r>
+            <a:endParaRPr lang="pt-PT" noProof="0" dirty="0"/>
           </a:p>
         </p:txBody>
       </p:sp>
@@ -28813,105 +29035,10 @@
           <a:lstStyle/>
           <a:p>
             <a:r>
-              <a:rPr lang="pt-BR"/>
+              <a:rPr lang="pt-BR" dirty="0"/>
               <a:t>‘</a:t>
             </a:r>
             <a:endParaRPr lang="pt-PT" dirty="0"/>
-          </a:p>
-        </p:txBody>
-      </p:sp>
-      <p:sp>
-        <p:nvSpPr>
-          <p:cNvPr id="6" name="Text Placeholder 5">
-            <a:extLst>
-              <a:ext uri="{FF2B5EF4-FFF2-40B4-BE49-F238E27FC236}">
-                <a16:creationId xmlns:a16="http://schemas.microsoft.com/office/drawing/2014/main" id="{B631A040-9EA6-95A4-5257-39399CC0ECA2}"/>
-              </a:ext>
-            </a:extLst>
-          </p:cNvPr>
-          <p:cNvSpPr>
-            <a:spLocks noGrp="1"/>
-          </p:cNvSpPr>
-          <p:nvPr>
-            <p:ph type="body" sz="quarter" idx="13"/>
-          </p:nvPr>
-        </p:nvSpPr>
-        <p:spPr/>
-        <p:txBody>
-          <a:bodyPr/>
-          <a:lstStyle/>
-          <a:p>
-            <a:endParaRPr lang="pt-PT"/>
-          </a:p>
-        </p:txBody>
-      </p:sp>
-      <p:sp>
-        <p:nvSpPr>
-          <p:cNvPr id="7" name="Picture Placeholder 6">
-            <a:extLst>
-              <a:ext uri="{FF2B5EF4-FFF2-40B4-BE49-F238E27FC236}">
-                <a16:creationId xmlns:a16="http://schemas.microsoft.com/office/drawing/2014/main" id="{FC68562D-6611-DCB3-6391-806E911F1673}"/>
-              </a:ext>
-            </a:extLst>
-          </p:cNvPr>
-          <p:cNvSpPr>
-            <a:spLocks noGrp="1"/>
-          </p:cNvSpPr>
-          <p:nvPr>
-            <p:ph type="pic" sz="quarter" idx="14"/>
-          </p:nvPr>
-        </p:nvSpPr>
-        <p:spPr/>
-      </p:sp>
-      <p:sp>
-        <p:nvSpPr>
-          <p:cNvPr id="8" name="Rectangle 7">
-            <a:extLst>
-              <a:ext uri="{FF2B5EF4-FFF2-40B4-BE49-F238E27FC236}">
-                <a16:creationId xmlns:a16="http://schemas.microsoft.com/office/drawing/2014/main" id="{4B157D90-D683-FFCA-59B9-9D0F8ACB8C2F}"/>
-              </a:ext>
-            </a:extLst>
-          </p:cNvPr>
-          <p:cNvSpPr/>
-          <p:nvPr/>
-        </p:nvSpPr>
-        <p:spPr>
-          <a:xfrm>
-            <a:off x="-68898" y="0"/>
-            <a:ext cx="12260897" cy="6858000"/>
-          </a:xfrm>
-          <a:prstGeom prst="rect">
-            <a:avLst/>
-          </a:prstGeom>
-          <a:solidFill>
-            <a:schemeClr val="bg1"/>
-          </a:solidFill>
-          <a:ln>
-            <a:noFill/>
-          </a:ln>
-        </p:spPr>
-        <p:style>
-          <a:lnRef idx="2">
-            <a:schemeClr val="accent1">
-              <a:shade val="50000"/>
-            </a:schemeClr>
-          </a:lnRef>
-          <a:fillRef idx="1">
-            <a:schemeClr val="accent1"/>
-          </a:fillRef>
-          <a:effectRef idx="0">
-            <a:schemeClr val="accent1"/>
-          </a:effectRef>
-          <a:fontRef idx="minor">
-            <a:schemeClr val="lt1"/>
-          </a:fontRef>
-        </p:style>
-        <p:txBody>
-          <a:bodyPr rtlCol="0" anchor="ctr"/>
-          <a:lstStyle/>
-          <a:p>
-            <a:pPr algn="ctr"/>
-            <a:endParaRPr lang="pt-PT"/>
           </a:p>
         </p:txBody>
       </p:sp>
@@ -28929,8 +29056,8 @@
         </p:nvSpPr>
         <p:spPr>
           <a:xfrm>
-            <a:off x="1732522" y="1015447"/>
-            <a:ext cx="8267177" cy="4930377"/>
+            <a:off x="2484058" y="1475901"/>
+            <a:ext cx="8267177" cy="4799925"/>
           </a:xfrm>
           <a:prstGeom prst="roundRect">
             <a:avLst/>
@@ -28971,7 +29098,7 @@
               </a:spcAft>
             </a:pPr>
             <a:r>
-              <a:rPr lang="pt-PT" sz="1800" b="0" i="0" u="none" strike="noStrike" dirty="0">
+              <a:rPr lang="pt-PT" sz="1800" b="0" i="0" u="none" strike="noStrike" dirty="0" smtClean="0">
                 <a:solidFill>
                   <a:srgbClr val="000000"/>
                 </a:solidFill>
@@ -28981,7 +29108,7 @@
               <a:t>"</a:t>
             </a:r>
             <a:r>
-              <a:rPr lang="pt-PT" sz="2500" b="0" i="0" u="none" strike="noStrike" dirty="0">
+              <a:rPr lang="pt-PT" sz="2500" b="0" i="0" u="none" strike="noStrike" dirty="0" smtClean="0">
                 <a:solidFill>
                   <a:srgbClr val="000000"/>
                 </a:solidFill>
@@ -28990,7 +29117,7 @@
               </a:rPr>
               <a:t>Oi, tudo bem?"</a:t>
             </a:r>
-            <a:endParaRPr lang="pt-PT" sz="2500" b="0" dirty="0">
+            <a:endParaRPr lang="pt-PT" sz="2500" b="0" dirty="0" smtClean="0">
               <a:effectLst/>
             </a:endParaRPr>
           </a:p>
@@ -29004,7 +29131,7 @@
               </a:spcAft>
             </a:pPr>
             <a:r>
-              <a:rPr lang="pt-PT" sz="2500" b="0" i="0" u="none" strike="noStrike" dirty="0">
+              <a:rPr lang="pt-PT" sz="2500" b="0" i="0" u="none" strike="noStrike" dirty="0" smtClean="0">
                 <a:solidFill>
                   <a:srgbClr val="000000"/>
                 </a:solidFill>
@@ -29013,7 +29140,7 @@
               </a:rPr>
               <a:t>"Você me escuta?"</a:t>
             </a:r>
-            <a:endParaRPr lang="pt-PT" sz="2500" b="0" dirty="0">
+            <a:endParaRPr lang="pt-PT" sz="2500" b="0" dirty="0" smtClean="0">
               <a:effectLst/>
             </a:endParaRPr>
           </a:p>
@@ -29027,7 +29154,7 @@
               </a:spcAft>
             </a:pPr>
             <a:r>
-              <a:rPr lang="pt-PT" sz="2500" b="0" i="0" u="none" strike="noStrike" dirty="0">
+              <a:rPr lang="pt-PT" sz="2500" b="0" i="0" u="none" strike="noStrike" dirty="0" smtClean="0">
                 <a:solidFill>
                   <a:srgbClr val="000000"/>
                 </a:solidFill>
@@ -29036,7 +29163,7 @@
               </a:rPr>
               <a:t>"Estou aqui."</a:t>
             </a:r>
-            <a:endParaRPr lang="pt-PT" sz="2500" b="0" dirty="0">
+            <a:endParaRPr lang="pt-PT" sz="2500" b="0" dirty="0" smtClean="0">
               <a:effectLst/>
             </a:endParaRPr>
           </a:p>
@@ -29050,7 +29177,7 @@
               </a:spcAft>
             </a:pPr>
             <a:r>
-              <a:rPr lang="pt-PT" sz="2500" b="0" i="0" u="none" strike="noStrike" dirty="0">
+              <a:rPr lang="pt-PT" sz="2500" b="0" i="0" u="none" strike="noStrike" dirty="0" smtClean="0">
                 <a:solidFill>
                   <a:srgbClr val="000000"/>
                 </a:solidFill>
@@ -29059,7 +29186,7 @@
               </a:rPr>
               <a:t>"Como vai você?"</a:t>
             </a:r>
-            <a:endParaRPr lang="pt-PT" sz="2500" b="0" dirty="0">
+            <a:endParaRPr lang="pt-PT" sz="2500" b="0" dirty="0" smtClean="0">
               <a:effectLst/>
             </a:endParaRPr>
           </a:p>
@@ -29073,7 +29200,7 @@
               </a:spcAft>
             </a:pPr>
             <a:r>
-              <a:rPr lang="pt-PT" sz="2500" b="0" i="0" u="none" strike="noStrike" dirty="0">
+              <a:rPr lang="pt-PT" sz="2500" b="0" i="0" u="none" strike="noStrike" dirty="0" smtClean="0">
                 <a:solidFill>
                   <a:srgbClr val="000000"/>
                 </a:solidFill>
@@ -29082,13 +29209,17 @@
               </a:rPr>
               <a:t>Essas expressões não têm a intenção de transmitir informações precisas, mas são utilizadas para iniciar, manter ou encerrar interações sociais, garantindo a conexão entre os participantes e criando uma atmosfera amigável.</a:t>
             </a:r>
-            <a:endParaRPr lang="pt-PT" sz="2500" b="0" dirty="0">
+            <a:endParaRPr lang="pt-PT" sz="2500" b="0" dirty="0" smtClean="0">
               <a:effectLst/>
             </a:endParaRPr>
           </a:p>
           <a:p>
+            <a:r>
+              <a:rPr lang="pt-PT" sz="2500" dirty="0" smtClean="0"/>
+              <a:t/>
+            </a:r>
             <a:br>
-              <a:rPr lang="pt-PT" sz="2500" dirty="0"/>
+              <a:rPr lang="pt-PT" sz="2500" dirty="0" smtClean="0"/>
             </a:br>
             <a:endParaRPr lang="pt-PT" sz="2500" b="0" dirty="0">
               <a:effectLst/>
@@ -29168,7 +29299,7 @@
               </a:pPr>
               <a:t>4</a:t>
             </a:fld>
-            <a:endParaRPr lang="pt-PT" noProof="0"/>
+            <a:endParaRPr lang="pt-PT" noProof="0" dirty="0"/>
           </a:p>
         </p:txBody>
       </p:sp>
@@ -29334,6 +29465,10 @@
               </a:rPr>
               <a:t>Expressões Faciais: Sorrisos, acenos e contato visual são formas poderosas de comunicação fática, transmitindo simpatia e interesse</a:t>
             </a:r>
+            <a:r>
+              <a:rPr lang="pt-PT" dirty="0"/>
+              <a:t/>
+            </a:r>
             <a:br>
               <a:rPr lang="pt-PT" dirty="0"/>
             </a:br>
@@ -29544,6 +29679,12 @@
               </a:spcBef>
               <a:buNone/>
             </a:pPr>
+            <a:r>
+              <a:rPr lang="pt-PT" sz="2200" b="0">
+                <a:effectLst/>
+              </a:rPr>
+              <a:t/>
+            </a:r>
             <a:br>
               <a:rPr lang="pt-PT" sz="2200" b="0">
                 <a:effectLst/>
@@ -29661,8 +29802,8 @@
         </p:nvSpPr>
         <p:spPr>
           <a:xfrm>
-            <a:off x="911225" y="5945824"/>
-            <a:ext cx="2639323" cy="365125"/>
+            <a:off x="1495589" y="692924"/>
+            <a:ext cx="2639323" cy="324348"/>
           </a:xfrm>
         </p:spPr>
         <p:txBody>
@@ -29674,10 +29815,7 @@
                 <a:spcPts val="600"/>
               </a:spcAft>
             </a:pPr>
-            <a:r>
-              <a:rPr lang="pt-PT" noProof="0"/>
-              <a:t>ADICIONE UM RODAPÉ</a:t>
-            </a:r>
+            <a:endParaRPr lang="pt-PT" noProof="0" dirty="0"/>
           </a:p>
         </p:txBody>
       </p:sp>
@@ -29835,6 +29973,15 @@
                 <a:latin typeface="Arial" panose="020B0604020202020204" pitchFamily="34" charset="0"/>
               </a:rPr>
               <a:t>O objetivo principal da função fática da linguagem é manter, regular e facilitar a comunicação entre os interlocutores. Não está focada em transmitir informações específicas, mas em estabelecer e manter um canal de comunicação aberto e fluente.Ele é alcançado por meio de expressões fáticas -por exemplo, cumprimentos, verificando perguntas, e outras formas em que a comunicação é eficiente e eles levam. Durante uma interação verbal, elas ajudam a criar um ambiente amigável e interativo. </a:t>
+            </a:r>
+            <a:r>
+              <a:rPr lang="pt-PT" dirty="0">
+                <a:ln w="0"/>
+                <a:solidFill>
+                  <a:srgbClr val="000000"/>
+                </a:solidFill>
+              </a:rPr>
+              <a:t/>
             </a:r>
             <a:br>
               <a:rPr lang="pt-PT" dirty="0">
@@ -30025,6 +30172,10 @@
                 <a:spcPts val="1200"/>
               </a:spcAft>
             </a:pPr>
+            <a:r>
+              <a:rPr lang="pt-PT" dirty="0"/>
+              <a:t/>
+            </a:r>
             <a:br>
               <a:rPr lang="pt-PT" dirty="0"/>
             </a:br>
@@ -30298,6 +30449,10 @@
                 <a:spcPts val="1200"/>
               </a:spcAft>
             </a:pPr>
+            <a:r>
+              <a:rPr lang="pt-PT" dirty="0"/>
+              <a:t/>
+            </a:r>
             <a:br>
               <a:rPr lang="pt-PT" dirty="0"/>
             </a:br>
@@ -30578,6 +30733,10 @@
                 <a:spcPts val="1200"/>
               </a:spcAft>
             </a:pPr>
+            <a:r>
+              <a:rPr lang="pt-PT" dirty="0"/>
+              <a:t/>
+            </a:r>
             <a:br>
               <a:rPr lang="pt-PT" dirty="0"/>
             </a:br>
@@ -30725,6 +30884,10 @@
             </a:r>
           </a:p>
           <a:p>
+            <a:r>
+              <a:rPr lang="pt-PT" sz="2800" dirty="0"/>
+              <a:t/>
+            </a:r>
             <a:br>
               <a:rPr lang="pt-PT" sz="2800" dirty="0"/>
             </a:br>
